--- a/Ch01_IntroToSpark.pptx
+++ b/Ch01_IntroToSpark.pptx
@@ -11115,7 +11115,7 @@
         </p:nvSpPr>
         <p:spPr>
           <a:xfrm>
-            <a:off x="557567" y="1266825"/>
+            <a:off x="392912" y="917557"/>
             <a:ext cx="8318488" cy="4986911"/>
           </a:xfrm>
         </p:spPr>
@@ -11192,7 +11192,21 @@
                 <a:latin typeface="Courier New" panose="02070309020205020404" pitchFamily="49" charset="0"/>
                 <a:cs typeface="Courier New" panose="02070309020205020404" pitchFamily="49" charset="0"/>
               </a:rPr>
-              <a:t>x = sc.textFile('datasets/text/shakespeare.txt')</a:t>
+              <a:t>x = sc.textFile('</a:t>
+            </a:r>
+            <a:r>
+              <a:rPr lang="en-US" dirty="0" err="1">
+                <a:latin typeface="Courier New" panose="02070309020205020404" pitchFamily="49" charset="0"/>
+                <a:cs typeface="Courier New" panose="02070309020205020404" pitchFamily="49" charset="0"/>
+              </a:rPr>
+              <a:t>SparkforDataEngineers</a:t>
+            </a:r>
+            <a:r>
+              <a:rPr lang="en-US" dirty="0">
+                <a:latin typeface="Courier New" panose="02070309020205020404" pitchFamily="49" charset="0"/>
+                <a:cs typeface="Courier New" panose="02070309020205020404" pitchFamily="49" charset="0"/>
+              </a:rPr>
+              <a:t>/datasets/text/shakespeare.txt')</a:t>
             </a:r>
           </a:p>
           <a:p>
@@ -11223,7 +11237,29 @@
           <a:p>
             <a:r>
               <a:rPr lang="en-US" dirty="0"/>
-              <a:t>To write a Python program from scratch you have to initialize sc and Spark manually</a:t>
+              <a:t>To write a Python program from scratch you have to initialize </a:t>
+            </a:r>
+            <a:r>
+              <a:rPr lang="en-US" dirty="0" err="1">
+                <a:latin typeface="Courier New" panose="02070309020205020404" pitchFamily="49" charset="0"/>
+                <a:cs typeface="Courier New" panose="02070309020205020404" pitchFamily="49" charset="0"/>
+              </a:rPr>
+              <a:t>sc</a:t>
+            </a:r>
+            <a:r>
+              <a:rPr lang="en-US" dirty="0"/>
+              <a:t> and </a:t>
+            </a:r>
+            <a:r>
+              <a:rPr lang="en-US" dirty="0">
+                <a:latin typeface="Courier New" panose="02070309020205020404" pitchFamily="49" charset="0"/>
+                <a:cs typeface="Courier New" panose="02070309020205020404" pitchFamily="49" charset="0"/>
+              </a:rPr>
+              <a:t>spark</a:t>
+            </a:r>
+            <a:r>
+              <a:rPr lang="en-US" dirty="0"/>
+              <a:t> manually</a:t>
             </a:r>
           </a:p>
           <a:p>
@@ -11254,19 +11290,47 @@
                 <a:latin typeface="Courier New" panose="02070309020205020404" pitchFamily="49" charset="0"/>
                 <a:cs typeface="Courier New" panose="02070309020205020404" pitchFamily="49" charset="0"/>
               </a:rPr>
-              <a:t>sc, spark, conf = initspark()</a:t>
-            </a:r>
-          </a:p>
-          <a:p>
-            <a:pPr marL="457200" lvl="2" indent="0">
-              <a:buNone/>
-            </a:pPr>
+              <a:t>sc, spark, </a:t>
+            </a:r>
+            <a:r>
+              <a:rPr lang="en-US" dirty="0" err="1">
+                <a:latin typeface="Courier New" panose="02070309020205020404" pitchFamily="49" charset="0"/>
+                <a:cs typeface="Courier New" panose="02070309020205020404" pitchFamily="49" charset="0"/>
+              </a:rPr>
+              <a:t>conf</a:t>
+            </a:r>
             <a:r>
               <a:rPr lang="en-US" dirty="0">
                 <a:latin typeface="Courier New" panose="02070309020205020404" pitchFamily="49" charset="0"/>
                 <a:cs typeface="Courier New" panose="02070309020205020404" pitchFamily="49" charset="0"/>
               </a:rPr>
-              <a:t>sc, spark, conf = initspark(appname = 'appname', servername = 'sparkservername', cassandra = 'cassandra)</a:t>
+              <a:t>, HOME = initspark()</a:t>
+            </a:r>
+          </a:p>
+          <a:p>
+            <a:pPr marL="457200" lvl="2" indent="0">
+              <a:buNone/>
+            </a:pPr>
+            <a:r>
+              <a:rPr lang="en-US" dirty="0">
+                <a:latin typeface="Courier New" panose="02070309020205020404" pitchFamily="49" charset="0"/>
+                <a:cs typeface="Courier New" panose="02070309020205020404" pitchFamily="49" charset="0"/>
+              </a:rPr>
+              <a:t>sc, spark, </a:t>
+            </a:r>
+            <a:r>
+              <a:rPr lang="en-US" dirty="0" err="1">
+                <a:latin typeface="Courier New" panose="02070309020205020404" pitchFamily="49" charset="0"/>
+                <a:cs typeface="Courier New" panose="02070309020205020404" pitchFamily="49" charset="0"/>
+              </a:rPr>
+              <a:t>conf</a:t>
+            </a:r>
+            <a:r>
+              <a:rPr lang="en-US" dirty="0">
+                <a:latin typeface="Courier New" panose="02070309020205020404" pitchFamily="49" charset="0"/>
+                <a:cs typeface="Courier New" panose="02070309020205020404" pitchFamily="49" charset="0"/>
+              </a:rPr>
+              <a:t>, HOME = initspark(appname = 'appname', servername = 'sparkservername', cassandra = '127.0.0.1')</a:t>
             </a:r>
           </a:p>
           <a:p>
@@ -11353,8 +11417,8 @@
         </p:nvSpPr>
         <p:spPr>
           <a:xfrm>
-            <a:off x="392912" y="1074315"/>
-            <a:ext cx="8318488" cy="4986911"/>
+            <a:off x="192505" y="1074315"/>
+            <a:ext cx="8726905" cy="4986911"/>
           </a:xfrm>
         </p:spPr>
         <p:txBody>
@@ -11437,6 +11501,13 @@
               <a:rPr lang="en-US" dirty="0"/>
             </a:br>
             <a:r>
+              <a:rPr lang="en-US" dirty="0">
+                <a:latin typeface="Courier New" panose="02070309020205020404" pitchFamily="49" charset="0"/>
+                <a:cs typeface="Courier New" panose="02070309020205020404" pitchFamily="49" charset="0"/>
+              </a:rPr>
+              <a:t>x = </a:t>
+            </a:r>
+            <a:r>
               <a:rPr lang="en-US" dirty="0" err="1">
                 <a:latin typeface="Courier New" panose="02070309020205020404" pitchFamily="49" charset="0"/>
                 <a:cs typeface="Courier New" panose="02070309020205020404" pitchFamily="49" charset="0"/>
@@ -11448,7 +11519,21 @@
                 <a:latin typeface="Courier New" panose="02070309020205020404" pitchFamily="49" charset="0"/>
                 <a:cs typeface="Courier New" panose="02070309020205020404" pitchFamily="49" charset="0"/>
               </a:rPr>
-              <a:t>('file:///home/student/ROI/datasets/</a:t>
+              <a:t>(</a:t>
+            </a:r>
+            <a:r>
+              <a:rPr lang="en-US" dirty="0" err="1">
+                <a:latin typeface="Courier New" panose="02070309020205020404" pitchFamily="49" charset="0"/>
+                <a:cs typeface="Courier New" panose="02070309020205020404" pitchFamily="49" charset="0"/>
+              </a:rPr>
+              <a:t>f'file</a:t>
+            </a:r>
+            <a:r>
+              <a:rPr lang="en-US" dirty="0">
+                <a:latin typeface="Courier New" panose="02070309020205020404" pitchFamily="49" charset="0"/>
+                <a:cs typeface="Courier New" panose="02070309020205020404" pitchFamily="49" charset="0"/>
+              </a:rPr>
+              <a:t>:///{HOME}/datasets/</a:t>
             </a:r>
             <a:r>
               <a:rPr lang="en-US" dirty="0" err="1">
@@ -11462,7 +11547,20 @@
                 <a:latin typeface="Courier New" panose="02070309020205020404" pitchFamily="49" charset="0"/>
                 <a:cs typeface="Courier New" panose="02070309020205020404" pitchFamily="49" charset="0"/>
               </a:rPr>
-              <a:t>/CSV/categories/</a:t>
+              <a:t>/CSV/</a:t>
+            </a:r>
+            <a:br>
+              <a:rPr lang="en-US" dirty="0">
+                <a:latin typeface="Courier New" panose="02070309020205020404" pitchFamily="49" charset="0"/>
+                <a:cs typeface="Courier New" panose="02070309020205020404" pitchFamily="49" charset="0"/>
+              </a:rPr>
+            </a:br>
+            <a:r>
+              <a:rPr lang="en-US" dirty="0">
+                <a:latin typeface="Courier New" panose="02070309020205020404" pitchFamily="49" charset="0"/>
+                <a:cs typeface="Courier New" panose="02070309020205020404" pitchFamily="49" charset="0"/>
+              </a:rPr>
+              <a:t>    categories/</a:t>
             </a:r>
             <a:r>
               <a:rPr lang="en-US" dirty="0" err="1">
@@ -11494,25 +11592,80 @@
                 <a:latin typeface="Courier New" panose="02070309020205020404" pitchFamily="49" charset="0"/>
                 <a:cs typeface="Courier New" panose="02070309020205020404" pitchFamily="49" charset="0"/>
               </a:rPr>
-              <a:t>sc.textFile('file:///home/student/ROI/datasets/northwind/CSV/categories/categories.csv')</a:t>
-            </a:r>
-          </a:p>
-          <a:p>
-            <a:r>
-              <a:rPr lang="en-US" dirty="0"/>
-              <a:t>Load a hdfs folder</a:t>
-            </a:r>
-          </a:p>
-          <a:p>
-            <a:pPr marL="228600" lvl="1" indent="0">
-              <a:buNone/>
-            </a:pPr>
+              <a:t>x = </a:t>
+            </a:r>
+            <a:r>
+              <a:rPr lang="en-US" dirty="0" err="1">
+                <a:latin typeface="Courier New" panose="02070309020205020404" pitchFamily="49" charset="0"/>
+                <a:cs typeface="Courier New" panose="02070309020205020404" pitchFamily="49" charset="0"/>
+              </a:rPr>
+              <a:t>sc.textFile</a:t>
+            </a:r>
             <a:r>
               <a:rPr lang="en-US" dirty="0">
                 <a:latin typeface="Courier New" panose="02070309020205020404" pitchFamily="49" charset="0"/>
                 <a:cs typeface="Courier New" panose="02070309020205020404" pitchFamily="49" charset="0"/>
               </a:rPr>
-              <a:t>sc.textFile('hdfs://localhost:9000/categories')</a:t>
+              <a:t>(</a:t>
+            </a:r>
+            <a:r>
+              <a:rPr lang="en-US" dirty="0" err="1">
+                <a:latin typeface="Courier New" panose="02070309020205020404" pitchFamily="49" charset="0"/>
+                <a:cs typeface="Courier New" panose="02070309020205020404" pitchFamily="49" charset="0"/>
+              </a:rPr>
+              <a:t>f'file</a:t>
+            </a:r>
+            <a:r>
+              <a:rPr lang="en-US" dirty="0">
+                <a:latin typeface="Courier New" panose="02070309020205020404" pitchFamily="49" charset="0"/>
+                <a:cs typeface="Courier New" panose="02070309020205020404" pitchFamily="49" charset="0"/>
+              </a:rPr>
+              <a:t>:///{HOME}/datasets/northwind/CSV/</a:t>
+            </a:r>
+            <a:br>
+              <a:rPr lang="en-US" dirty="0">
+                <a:latin typeface="Courier New" panose="02070309020205020404" pitchFamily="49" charset="0"/>
+                <a:cs typeface="Courier New" panose="02070309020205020404" pitchFamily="49" charset="0"/>
+              </a:rPr>
+            </a:br>
+            <a:r>
+              <a:rPr lang="en-US" dirty="0">
+                <a:latin typeface="Courier New" panose="02070309020205020404" pitchFamily="49" charset="0"/>
+                <a:cs typeface="Courier New" panose="02070309020205020404" pitchFamily="49" charset="0"/>
+              </a:rPr>
+              <a:t>    categories')</a:t>
+            </a:r>
+          </a:p>
+          <a:p>
+            <a:r>
+              <a:rPr lang="en-US" dirty="0"/>
+              <a:t>Load a hdfs folder</a:t>
+            </a:r>
+          </a:p>
+          <a:p>
+            <a:pPr marL="228600" lvl="1" indent="0">
+              <a:buNone/>
+            </a:pPr>
+            <a:r>
+              <a:rPr lang="en-US" dirty="0">
+                <a:latin typeface="Courier New" panose="02070309020205020404" pitchFamily="49" charset="0"/>
+                <a:cs typeface="Courier New" panose="02070309020205020404" pitchFamily="49" charset="0"/>
+              </a:rPr>
+              <a:t>x = </a:t>
+            </a:r>
+            <a:r>
+              <a:rPr lang="en-US" dirty="0" err="1">
+                <a:latin typeface="Courier New" panose="02070309020205020404" pitchFamily="49" charset="0"/>
+                <a:cs typeface="Courier New" panose="02070309020205020404" pitchFamily="49" charset="0"/>
+              </a:rPr>
+              <a:t>sc.textFile</a:t>
+            </a:r>
+            <a:r>
+              <a:rPr lang="en-US" dirty="0">
+                <a:latin typeface="Courier New" panose="02070309020205020404" pitchFamily="49" charset="0"/>
+                <a:cs typeface="Courier New" panose="02070309020205020404" pitchFamily="49" charset="0"/>
+              </a:rPr>
+              <a:t>('hdfs://localhost:9000/categories')</a:t>
             </a:r>
             <a:br>
               <a:rPr lang="en-US" dirty="0">
@@ -12836,7 +12989,12 @@
             <p:ph idx="1"/>
           </p:nvPr>
         </p:nvSpPr>
-        <p:spPr/>
+        <p:spPr>
+          <a:xfrm>
+            <a:off x="581025" y="1155614"/>
+            <a:ext cx="8402554" cy="5072616"/>
+          </a:xfrm>
+        </p:spPr>
         <p:txBody>
           <a:bodyPr/>
           <a:lstStyle/>
@@ -12875,7 +13033,7 @@
           <a:p>
             <a:r>
               <a:rPr lang="en-US" dirty="0"/>
-              <a:t>Parse the file into a tuple or namedtuple or dictionary</a:t>
+              <a:t>Parse the file into a tuple </a:t>
             </a:r>
           </a:p>
           <a:p>
@@ -12893,16 +13051,70 @@
             </a:r>
           </a:p>
           <a:p>
+            <a:pPr lvl="1"/>
+            <a:r>
+              <a:rPr lang="en-US" dirty="0"/>
+              <a:t>Hints </a:t>
+            </a:r>
+          </a:p>
+          <a:p>
+            <a:pPr lvl="2"/>
+            <a:r>
+              <a:rPr lang="en-US" dirty="0"/>
+              <a:t>ignore the first row</a:t>
+            </a:r>
+          </a:p>
+          <a:p>
+            <a:pPr lvl="2"/>
+            <a:r>
+              <a:rPr lang="en-US" dirty="0"/>
+              <a:t>use a lambda to split the line by comma</a:t>
+            </a:r>
+          </a:p>
+          <a:p>
+            <a:pPr lvl="2"/>
+            <a:r>
+              <a:rPr lang="en-US" dirty="0"/>
+              <a:t>use another lambda to convert the elements of the tuple into a new tuple</a:t>
+            </a:r>
+          </a:p>
+          <a:p>
             <a:r>
               <a:rPr lang="en-US" dirty="0"/>
               <a:t>Filter the data to show only transactions made by women</a:t>
             </a:r>
           </a:p>
           <a:p>
-            <a:r>
-              <a:rPr lang="en-US" dirty="0"/>
-              <a:t>Calculate the amount spent in each city</a:t>
-            </a:r>
+            <a:pPr lvl="1"/>
+            <a:r>
+              <a:rPr lang="en-US" dirty="0"/>
+              <a:t>Hint use a lambda with the filter function</a:t>
+            </a:r>
+          </a:p>
+          <a:p>
+            <a:pPr lvl="1"/>
+            <a:r>
+              <a:rPr lang="en-US" dirty="0"/>
+              <a:t>Hint map the filtered result to return only the city, country and amounts</a:t>
+            </a:r>
+          </a:p>
+          <a:p>
+            <a:r>
+              <a:rPr lang="en-US" dirty="0"/>
+              <a:t>BONUS - Calculate the amount spent in each city</a:t>
+            </a:r>
+          </a:p>
+          <a:p>
+            <a:pPr lvl="1"/>
+            <a:r>
+              <a:rPr lang="en-US" dirty="0"/>
+              <a:t>Hint use a reduce with a lambda to add up </a:t>
+            </a:r>
+            <a:r>
+              <a:rPr lang="en-US"/>
+              <a:t>the amounts</a:t>
+            </a:r>
+            <a:endParaRPr lang="en-US" dirty="0"/>
           </a:p>
           <a:p>
             <a:endParaRPr lang="en-US" dirty="0"/>
@@ -13701,13 +13913,46 @@
             </a:r>
           </a:p>
           <a:p>
-            <a:pPr marL="457200" lvl="2" indent="0">
+            <a:r>
+              <a:rPr lang="en-US" dirty="0"/>
+              <a:t>For this class we need an environment variable to be set to point to the right folder for our examples</a:t>
+            </a:r>
+          </a:p>
+          <a:p>
+            <a:pPr lvl="1"/>
+            <a:r>
+              <a:rPr lang="en-US" dirty="0">
+                <a:latin typeface="Courier New" panose="02070309020205020404" pitchFamily="49" charset="0"/>
+                <a:cs typeface="Courier New" panose="02070309020205020404" pitchFamily="49" charset="0"/>
+              </a:rPr>
+              <a:t>export PROGRAM='</a:t>
+            </a:r>
+            <a:r>
+              <a:rPr lang="en-US" dirty="0" err="1">
+                <a:latin typeface="Courier New" panose="02070309020205020404" pitchFamily="49" charset="0"/>
+                <a:cs typeface="Courier New" panose="02070309020205020404" pitchFamily="49" charset="0"/>
+              </a:rPr>
+              <a:t>SparkforDataEngineers</a:t>
+            </a:r>
+            <a:r>
+              <a:rPr lang="en-US" dirty="0">
+                <a:latin typeface="Courier New" panose="02070309020205020404" pitchFamily="49" charset="0"/>
+                <a:cs typeface="Courier New" panose="02070309020205020404" pitchFamily="49" charset="0"/>
+              </a:rPr>
+              <a:t>'</a:t>
+            </a:r>
+          </a:p>
+          <a:p>
+            <a:pPr marL="228600" lvl="1" indent="0">
               <a:buNone/>
             </a:pPr>
-            <a:endParaRPr lang="en-US" dirty="0"/>
-          </a:p>
-          <a:p>
-            <a:pPr marL="457200" lvl="2" indent="0">
+            <a:endParaRPr lang="en-US" dirty="0">
+              <a:latin typeface="Courier New" panose="02070309020205020404" pitchFamily="49" charset="0"/>
+              <a:cs typeface="Courier New" panose="02070309020205020404" pitchFamily="49" charset="0"/>
+            </a:endParaRPr>
+          </a:p>
+          <a:p>
+            <a:pPr marL="228600" lvl="1" indent="0">
               <a:buNone/>
             </a:pPr>
             <a:endParaRPr lang="en-US" dirty="0"/>
@@ -15300,6 +15545,15 @@
 </file>
 
 <file path=customXml/item1.xml><?xml version="1.0" encoding="utf-8"?>
+<?mso-contentType ?>
+<FormTemplates xmlns="http://schemas.microsoft.com/sharepoint/v3/contenttype/forms">
+  <Display>DocumentLibraryForm</Display>
+  <Edit>DocumentLibraryForm</Edit>
+  <New>DocumentLibraryForm</New>
+</FormTemplates>
+</file>
+
+<file path=customXml/item2.xml><?xml version="1.0" encoding="utf-8"?>
 <p:properties xmlns:p="http://schemas.microsoft.com/office/2006/metadata/properties" xmlns:xsi="http://www.w3.org/2001/XMLSchema-instance" xmlns:pc="http://schemas.microsoft.com/office/infopath/2007/PartnerControls">
   <documentManagement>
     <_dlc_DocId xmlns="037063e9-a85e-4c78-8627-f1a9315663e5">EVEA5JW6U4JV-6-9770</_dlc_DocId>
@@ -15313,62 +15567,7 @@
 </p:properties>
 </file>
 
-<file path=customXml/item2.xml><?xml version="1.0" encoding="utf-8"?>
-<?mso-contentType ?>
-<FormTemplates xmlns="http://schemas.microsoft.com/sharepoint/v3/contenttype/forms">
-  <Display>DocumentLibraryForm</Display>
-  <Edit>DocumentLibraryForm</Edit>
-  <New>DocumentLibraryForm</New>
-</FormTemplates>
-</file>
-
 <file path=customXml/item3.xml><?xml version="1.0" encoding="utf-8"?>
-<?mso-contentType ?>
-<spe:Receivers xmlns:spe="http://schemas.microsoft.com/sharepoint/events">
-  <Receiver>
-    <Name>Document ID Generator</Name>
-    <Synchronization>Synchronous</Synchronization>
-    <Type>10001</Type>
-    <SequenceNumber>1000</SequenceNumber>
-    <Assembly>Microsoft.Office.DocumentManagement, Version=14.0.0.0, Culture=neutral, PublicKeyToken=71e9bce111e9429c</Assembly>
-    <Class>Microsoft.Office.DocumentManagement.Internal.DocIdHandler</Class>
-    <Data/>
-    <Filter/>
-  </Receiver>
-  <Receiver>
-    <Name>Document ID Generator</Name>
-    <Synchronization>Synchronous</Synchronization>
-    <Type>10002</Type>
-    <SequenceNumber>1001</SequenceNumber>
-    <Assembly>Microsoft.Office.DocumentManagement, Version=14.0.0.0, Culture=neutral, PublicKeyToken=71e9bce111e9429c</Assembly>
-    <Class>Microsoft.Office.DocumentManagement.Internal.DocIdHandler</Class>
-    <Data/>
-    <Filter/>
-  </Receiver>
-  <Receiver>
-    <Name>Document ID Generator</Name>
-    <Synchronization>Synchronous</Synchronization>
-    <Type>10004</Type>
-    <SequenceNumber>1002</SequenceNumber>
-    <Assembly>Microsoft.Office.DocumentManagement, Version=14.0.0.0, Culture=neutral, PublicKeyToken=71e9bce111e9429c</Assembly>
-    <Class>Microsoft.Office.DocumentManagement.Internal.DocIdHandler</Class>
-    <Data/>
-    <Filter/>
-  </Receiver>
-  <Receiver>
-    <Name>Document ID Generator</Name>
-    <Synchronization>Synchronous</Synchronization>
-    <Type>10006</Type>
-    <SequenceNumber>1003</SequenceNumber>
-    <Assembly>Microsoft.Office.DocumentManagement, Version=14.0.0.0, Culture=neutral, PublicKeyToken=71e9bce111e9429c</Assembly>
-    <Class>Microsoft.Office.DocumentManagement.Internal.DocIdHandler</Class>
-    <Data/>
-    <Filter/>
-  </Receiver>
-</spe:Receivers>
-</file>
-
-<file path=customXml/item4.xml><?xml version="1.0" encoding="utf-8"?>
 <ct:contentTypeSchema xmlns:ct="http://schemas.microsoft.com/office/2006/metadata/contentType" xmlns:ma="http://schemas.microsoft.com/office/2006/metadata/properties/metaAttributes" ct:_="" ma:_="" ma:contentTypeName="Document" ma:contentTypeID="0x0101006B08A054FD435346B287BB258D6D8C2A" ma:contentTypeVersion="2" ma:contentTypeDescription="Create a new document." ma:contentTypeScope="" ma:versionID="6146b90b4382322d8952632f355192b7">
   <xsd:schema xmlns:xsd="http://www.w3.org/2001/XMLSchema" xmlns:xs="http://www.w3.org/2001/XMLSchema" xmlns:p="http://schemas.microsoft.com/office/2006/metadata/properties" xmlns:ns2="027ed24f-5970-4294-be5c-0919c5aaa214" xmlns:ns3="037063e9-a85e-4c78-8627-f1a9315663e5" targetNamespace="http://schemas.microsoft.com/office/2006/metadata/properties" ma:root="true" ma:fieldsID="b5d91f802dafd2e22aeea528efbe2d3e" ns2:_="" ns3:_="">
     <xsd:import namespace="027ed24f-5970-4294-be5c-0919c5aaa214"/>
@@ -15534,7 +15733,61 @@
 </ct:contentTypeSchema>
 </file>
 
+<file path=customXml/item4.xml><?xml version="1.0" encoding="utf-8"?>
+<?mso-contentType ?>
+<spe:Receivers xmlns:spe="http://schemas.microsoft.com/sharepoint/events">
+  <Receiver>
+    <Name>Document ID Generator</Name>
+    <Synchronization>Synchronous</Synchronization>
+    <Type>10001</Type>
+    <SequenceNumber>1000</SequenceNumber>
+    <Assembly>Microsoft.Office.DocumentManagement, Version=14.0.0.0, Culture=neutral, PublicKeyToken=71e9bce111e9429c</Assembly>
+    <Class>Microsoft.Office.DocumentManagement.Internal.DocIdHandler</Class>
+    <Data/>
+    <Filter/>
+  </Receiver>
+  <Receiver>
+    <Name>Document ID Generator</Name>
+    <Synchronization>Synchronous</Synchronization>
+    <Type>10002</Type>
+    <SequenceNumber>1001</SequenceNumber>
+    <Assembly>Microsoft.Office.DocumentManagement, Version=14.0.0.0, Culture=neutral, PublicKeyToken=71e9bce111e9429c</Assembly>
+    <Class>Microsoft.Office.DocumentManagement.Internal.DocIdHandler</Class>
+    <Data/>
+    <Filter/>
+  </Receiver>
+  <Receiver>
+    <Name>Document ID Generator</Name>
+    <Synchronization>Synchronous</Synchronization>
+    <Type>10004</Type>
+    <SequenceNumber>1002</SequenceNumber>
+    <Assembly>Microsoft.Office.DocumentManagement, Version=14.0.0.0, Culture=neutral, PublicKeyToken=71e9bce111e9429c</Assembly>
+    <Class>Microsoft.Office.DocumentManagement.Internal.DocIdHandler</Class>
+    <Data/>
+    <Filter/>
+  </Receiver>
+  <Receiver>
+    <Name>Document ID Generator</Name>
+    <Synchronization>Synchronous</Synchronization>
+    <Type>10006</Type>
+    <SequenceNumber>1003</SequenceNumber>
+    <Assembly>Microsoft.Office.DocumentManagement, Version=14.0.0.0, Culture=neutral, PublicKeyToken=71e9bce111e9429c</Assembly>
+    <Class>Microsoft.Office.DocumentManagement.Internal.DocIdHandler</Class>
+    <Data/>
+    <Filter/>
+  </Receiver>
+</spe:Receivers>
+</file>
+
 <file path=customXml/itemProps1.xml><?xml version="1.0" encoding="utf-8"?>
+<ds:datastoreItem xmlns:ds="http://schemas.openxmlformats.org/officeDocument/2006/customXml" ds:itemID="{2DA015F3-603C-4688-A5F3-81D587DAB8C9}">
+  <ds:schemaRefs>
+    <ds:schemaRef ds:uri="http://schemas.microsoft.com/sharepoint/v3/contenttype/forms"/>
+  </ds:schemaRefs>
+</ds:datastoreItem>
+</file>
+
+<file path=customXml/itemProps2.xml><?xml version="1.0" encoding="utf-8"?>
 <ds:datastoreItem xmlns:ds="http://schemas.openxmlformats.org/officeDocument/2006/customXml" ds:itemID="{F47B9207-CE5C-49AD-B414-15CBFA246D65}">
   <ds:schemaRefs>
     <ds:schemaRef ds:uri="http://schemas.microsoft.com/office/2006/metadata/properties"/>
@@ -15545,23 +15798,7 @@
 </ds:datastoreItem>
 </file>
 
-<file path=customXml/itemProps2.xml><?xml version="1.0" encoding="utf-8"?>
-<ds:datastoreItem xmlns:ds="http://schemas.openxmlformats.org/officeDocument/2006/customXml" ds:itemID="{2DA015F3-603C-4688-A5F3-81D587DAB8C9}">
-  <ds:schemaRefs>
-    <ds:schemaRef ds:uri="http://schemas.microsoft.com/sharepoint/v3/contenttype/forms"/>
-  </ds:schemaRefs>
-</ds:datastoreItem>
-</file>
-
 <file path=customXml/itemProps3.xml><?xml version="1.0" encoding="utf-8"?>
-<ds:datastoreItem xmlns:ds="http://schemas.openxmlformats.org/officeDocument/2006/customXml" ds:itemID="{B9043294-8302-4947-B882-02D6486F929C}">
-  <ds:schemaRefs>
-    <ds:schemaRef ds:uri="http://schemas.microsoft.com/sharepoint/events"/>
-  </ds:schemaRefs>
-</ds:datastoreItem>
-</file>
-
-<file path=customXml/itemProps4.xml><?xml version="1.0" encoding="utf-8"?>
 <ds:datastoreItem xmlns:ds="http://schemas.openxmlformats.org/officeDocument/2006/customXml" ds:itemID="{B8E0886B-5092-4138-9EEE-28D3BFD5A483}">
   <ds:schemaRefs>
     <ds:schemaRef ds:uri="http://schemas.microsoft.com/office/2006/metadata/contentType"/>
@@ -15578,4 +15815,12 @@
     <ds:schemaRef ds:uri="http://schemas.microsoft.com/internal/obd"/>
   </ds:schemaRefs>
 </ds:datastoreItem>
+</file>
+
+<file path=customXml/itemProps4.xml><?xml version="1.0" encoding="utf-8"?>
+<ds:datastoreItem xmlns:ds="http://schemas.openxmlformats.org/officeDocument/2006/customXml" ds:itemID="{B9043294-8302-4947-B882-02D6486F929C}">
+  <ds:schemaRefs>
+    <ds:schemaRef ds:uri="http://schemas.microsoft.com/sharepoint/events"/>
+  </ds:schemaRefs>
+</ds:datastoreItem>
 </file>
--- a/Ch01_IntroToSpark.pptx
+++ b/Ch01_IntroToSpark.pptx
@@ -13108,13 +13108,8 @@
             <a:pPr lvl="1"/>
             <a:r>
               <a:rPr lang="en-US" dirty="0"/>
-              <a:t>Hint use a reduce with a lambda to add up </a:t>
-            </a:r>
-            <a:r>
-              <a:rPr lang="en-US"/>
-              <a:t>the amounts</a:t>
-            </a:r>
-            <a:endParaRPr lang="en-US" dirty="0"/>
+              <a:t>Hint use a reduce with a lambda to add up the amounts</a:t>
+            </a:r>
           </a:p>
           <a:p>
             <a:endParaRPr lang="en-US" dirty="0"/>

--- a/Ch01_IntroToSpark.pptx
+++ b/Ch01_IntroToSpark.pptx
@@ -13627,8 +13627,8 @@
         </p:nvSpPr>
         <p:spPr>
           <a:xfrm>
-            <a:off x="581025" y="1155614"/>
-            <a:ext cx="8327448" cy="5072616"/>
+            <a:off x="256674" y="1155614"/>
+            <a:ext cx="8651799" cy="5072616"/>
           </a:xfrm>
         </p:spPr>
         <p:txBody>
@@ -13637,6 +13637,45 @@
           <a:p>
             <a:r>
               <a:rPr lang="en-US" dirty="0"/>
+              <a:t>For this class we need </a:t>
+            </a:r>
+            <a:r>
+              <a:rPr lang="en-US" dirty="0" err="1"/>
+              <a:t>symlink</a:t>
+            </a:r>
+            <a:r>
+              <a:rPr lang="en-US" dirty="0"/>
+              <a:t> to point to the class folder </a:t>
+            </a:r>
+          </a:p>
+          <a:p>
+            <a:pPr lvl="1"/>
+            <a:r>
+              <a:rPr lang="en-US" dirty="0">
+                <a:latin typeface="Courier New" panose="02070309020205020404" pitchFamily="49" charset="0"/>
+                <a:cs typeface="Courier New" panose="02070309020205020404" pitchFamily="49" charset="0"/>
+              </a:rPr>
+              <a:t>ln –s /home/student/ROI/</a:t>
+            </a:r>
+            <a:r>
+              <a:rPr lang="en-US" dirty="0" err="1">
+                <a:latin typeface="Courier New" panose="02070309020205020404" pitchFamily="49" charset="0"/>
+                <a:cs typeface="Courier New" panose="02070309020205020404" pitchFamily="49" charset="0"/>
+              </a:rPr>
+              <a:t>SparkforDataEngineers</a:t>
+            </a:r>
+            <a:r>
+              <a:rPr lang="en-US" dirty="0">
+                <a:latin typeface="Courier New" panose="02070309020205020404" pitchFamily="49" charset="0"/>
+                <a:cs typeface="Courier New" panose="02070309020205020404" pitchFamily="49" charset="0"/>
+              </a:rPr>
+              <a:t> ~/ROI/Spark</a:t>
+            </a:r>
+            <a:endParaRPr lang="en-US" dirty="0"/>
+          </a:p>
+          <a:p>
+            <a:r>
+              <a:rPr lang="en-US" dirty="0"/>
               <a:t>To start Hadoop on the VM</a:t>
             </a:r>
           </a:p>
@@ -13694,11 +13733,27 @@
               <a:buNone/>
             </a:pPr>
             <a:r>
+              <a:rPr lang="en-US" dirty="0" err="1">
+                <a:latin typeface="Courier New" panose="02070309020205020404" pitchFamily="49" charset="0"/>
+                <a:cs typeface="Courier New" panose="02070309020205020404" pitchFamily="49" charset="0"/>
+              </a:rPr>
+              <a:t>jps</a:t>
+            </a:r>
+            <a:endParaRPr lang="en-US" dirty="0">
+              <a:latin typeface="Courier New" panose="02070309020205020404" pitchFamily="49" charset="0"/>
+              <a:cs typeface="Courier New" panose="02070309020205020404" pitchFamily="49" charset="0"/>
+            </a:endParaRPr>
+          </a:p>
+          <a:p>
+            <a:pPr marL="457200" lvl="2" indent="0">
+              <a:buNone/>
+            </a:pPr>
+            <a:r>
               <a:rPr lang="en-US" dirty="0">
                 <a:latin typeface="Courier New" panose="02070309020205020404" pitchFamily="49" charset="0"/>
                 <a:cs typeface="Courier New" panose="02070309020205020404" pitchFamily="49" charset="0"/>
               </a:rPr>
-              <a:t>jps</a:t>
+              <a:t>exit</a:t>
             </a:r>
           </a:p>
           <a:p>
@@ -13716,7 +13771,7 @@
               <a:buNone/>
             </a:pPr>
             <a:r>
-              <a:rPr lang="en-US" dirty="0">
+              <a:rPr lang="en-US" sz="1600" dirty="0">
                 <a:latin typeface="Courier New" panose="02070309020205020404" pitchFamily="49" charset="0"/>
                 <a:cs typeface="Courier New" panose="02070309020205020404" pitchFamily="49" charset="0"/>
               </a:rPr>
@@ -13728,7 +13783,7 @@
               <a:buNone/>
             </a:pPr>
             <a:r>
-              <a:rPr lang="en-US" dirty="0">
+              <a:rPr lang="en-US" sz="1600" dirty="0">
                 <a:latin typeface="Courier New" panose="02070309020205020404" pitchFamily="49" charset="0"/>
                 <a:cs typeface="Courier New" panose="02070309020205020404" pitchFamily="49" charset="0"/>
               </a:rPr>
@@ -13740,7 +13795,7 @@
               <a:buNone/>
             </a:pPr>
             <a:r>
-              <a:rPr lang="en-US" dirty="0">
+              <a:rPr lang="en-US" sz="1600" dirty="0">
                 <a:latin typeface="Courier New" panose="02070309020205020404" pitchFamily="49" charset="0"/>
                 <a:cs typeface="Courier New" panose="02070309020205020404" pitchFamily="49" charset="0"/>
               </a:rPr>
@@ -13752,11 +13807,25 @@
               <a:buNone/>
             </a:pPr>
             <a:r>
-              <a:rPr lang="en-US" dirty="0">
+              <a:rPr lang="en-US" sz="1600" dirty="0">
                 <a:latin typeface="Courier New" panose="02070309020205020404" pitchFamily="49" charset="0"/>
                 <a:cs typeface="Courier New" panose="02070309020205020404" pitchFamily="49" charset="0"/>
               </a:rPr>
-              <a:t>hdfs dfs –put ~/ROI/datasets/northwind/CSV/categories /</a:t>
+              <a:t>hdfs dfs –put </a:t>
+            </a:r>
+            <a:r>
+              <a:rPr lang="en-US" sz="1600">
+                <a:latin typeface="Courier New" panose="02070309020205020404" pitchFamily="49" charset="0"/>
+                <a:cs typeface="Courier New" panose="02070309020205020404" pitchFamily="49" charset="0"/>
+              </a:rPr>
+              <a:t>~/ROI/Spark</a:t>
+            </a:r>
+            <a:r>
+              <a:rPr lang="en-US" sz="1600" dirty="0">
+                <a:latin typeface="Courier New" panose="02070309020205020404" pitchFamily="49" charset="0"/>
+                <a:cs typeface="Courier New" panose="02070309020205020404" pitchFamily="49" charset="0"/>
+              </a:rPr>
+              <a:t>/datasets/northwind/CSV/categories /</a:t>
             </a:r>
           </a:p>
           <a:p>
@@ -13764,7 +13833,7 @@
               <a:buNone/>
             </a:pPr>
             <a:r>
-              <a:rPr lang="en-US" dirty="0">
+              <a:rPr lang="en-US" sz="1600" dirty="0">
                 <a:latin typeface="Courier New" panose="02070309020205020404" pitchFamily="49" charset="0"/>
                 <a:cs typeface="Courier New" panose="02070309020205020404" pitchFamily="49" charset="0"/>
               </a:rPr>
@@ -13905,36 +13974,6 @@
             <a:r>
               <a:rPr lang="en-US" dirty="0"/>
               <a:t>This will launch the browser so you can navigate to which lesson folder you want to work on</a:t>
-            </a:r>
-          </a:p>
-          <a:p>
-            <a:r>
-              <a:rPr lang="en-US" dirty="0"/>
-              <a:t>For this class we need an environment variable to be set to point to the right folder for our examples</a:t>
-            </a:r>
-          </a:p>
-          <a:p>
-            <a:pPr lvl="1"/>
-            <a:r>
-              <a:rPr lang="en-US" dirty="0">
-                <a:latin typeface="Courier New" panose="02070309020205020404" pitchFamily="49" charset="0"/>
-                <a:cs typeface="Courier New" panose="02070309020205020404" pitchFamily="49" charset="0"/>
-              </a:rPr>
-              <a:t>export PROGRAM='</a:t>
-            </a:r>
-            <a:r>
-              <a:rPr lang="en-US" dirty="0" err="1">
-                <a:latin typeface="Courier New" panose="02070309020205020404" pitchFamily="49" charset="0"/>
-                <a:cs typeface="Courier New" panose="02070309020205020404" pitchFamily="49" charset="0"/>
-              </a:rPr>
-              <a:t>SparkforDataEngineers</a:t>
-            </a:r>
-            <a:r>
-              <a:rPr lang="en-US" dirty="0">
-                <a:latin typeface="Courier New" panose="02070309020205020404" pitchFamily="49" charset="0"/>
-                <a:cs typeface="Courier New" panose="02070309020205020404" pitchFamily="49" charset="0"/>
-              </a:rPr>
-              <a:t>'</a:t>
             </a:r>
           </a:p>
           <a:p>
@@ -15549,17 +15588,49 @@
 </file>
 
 <file path=customXml/item2.xml><?xml version="1.0" encoding="utf-8"?>
-<p:properties xmlns:p="http://schemas.microsoft.com/office/2006/metadata/properties" xmlns:xsi="http://www.w3.org/2001/XMLSchema-instance" xmlns:pc="http://schemas.microsoft.com/office/infopath/2007/PartnerControls">
-  <documentManagement>
-    <_dlc_DocId xmlns="037063e9-a85e-4c78-8627-f1a9315663e5">EVEA5JW6U4JV-6-9770</_dlc_DocId>
-    <_dlc_DocIdUrl xmlns="037063e9-a85e-4c78-8627-f1a9315663e5">
-      <Url>https://portal.roitraining.com/Courses/_layouts/DocIdRedir.aspx?ID=EVEA5JW6U4JV-6-9770</Url>
-      <Description>EVEA5JW6U4JV-6-9770</Description>
-    </_dlc_DocIdUrl>
-    <Date_x0020_last_x0020_used xmlns="027ed24f-5970-4294-be5c-0919c5aaa214" xsi:nil="true"/>
-    <Customization_x0020_Information xmlns="027ed24f-5970-4294-be5c-0919c5aaa214" xsi:nil="true"/>
-  </documentManagement>
-</p:properties>
+<?mso-contentType ?>
+<spe:Receivers xmlns:spe="http://schemas.microsoft.com/sharepoint/events">
+  <Receiver>
+    <Name>Document ID Generator</Name>
+    <Synchronization>Synchronous</Synchronization>
+    <Type>10001</Type>
+    <SequenceNumber>1000</SequenceNumber>
+    <Assembly>Microsoft.Office.DocumentManagement, Version=14.0.0.0, Culture=neutral, PublicKeyToken=71e9bce111e9429c</Assembly>
+    <Class>Microsoft.Office.DocumentManagement.Internal.DocIdHandler</Class>
+    <Data/>
+    <Filter/>
+  </Receiver>
+  <Receiver>
+    <Name>Document ID Generator</Name>
+    <Synchronization>Synchronous</Synchronization>
+    <Type>10002</Type>
+    <SequenceNumber>1001</SequenceNumber>
+    <Assembly>Microsoft.Office.DocumentManagement, Version=14.0.0.0, Culture=neutral, PublicKeyToken=71e9bce111e9429c</Assembly>
+    <Class>Microsoft.Office.DocumentManagement.Internal.DocIdHandler</Class>
+    <Data/>
+    <Filter/>
+  </Receiver>
+  <Receiver>
+    <Name>Document ID Generator</Name>
+    <Synchronization>Synchronous</Synchronization>
+    <Type>10004</Type>
+    <SequenceNumber>1002</SequenceNumber>
+    <Assembly>Microsoft.Office.DocumentManagement, Version=14.0.0.0, Culture=neutral, PublicKeyToken=71e9bce111e9429c</Assembly>
+    <Class>Microsoft.Office.DocumentManagement.Internal.DocIdHandler</Class>
+    <Data/>
+    <Filter/>
+  </Receiver>
+  <Receiver>
+    <Name>Document ID Generator</Name>
+    <Synchronization>Synchronous</Synchronization>
+    <Type>10006</Type>
+    <SequenceNumber>1003</SequenceNumber>
+    <Assembly>Microsoft.Office.DocumentManagement, Version=14.0.0.0, Culture=neutral, PublicKeyToken=71e9bce111e9429c</Assembly>
+    <Class>Microsoft.Office.DocumentManagement.Internal.DocIdHandler</Class>
+    <Data/>
+    <Filter/>
+  </Receiver>
+</spe:Receivers>
 </file>
 
 <file path=customXml/item3.xml><?xml version="1.0" encoding="utf-8"?>
@@ -15729,49 +15800,17 @@
 </file>
 
 <file path=customXml/item4.xml><?xml version="1.0" encoding="utf-8"?>
-<?mso-contentType ?>
-<spe:Receivers xmlns:spe="http://schemas.microsoft.com/sharepoint/events">
-  <Receiver>
-    <Name>Document ID Generator</Name>
-    <Synchronization>Synchronous</Synchronization>
-    <Type>10001</Type>
-    <SequenceNumber>1000</SequenceNumber>
-    <Assembly>Microsoft.Office.DocumentManagement, Version=14.0.0.0, Culture=neutral, PublicKeyToken=71e9bce111e9429c</Assembly>
-    <Class>Microsoft.Office.DocumentManagement.Internal.DocIdHandler</Class>
-    <Data/>
-    <Filter/>
-  </Receiver>
-  <Receiver>
-    <Name>Document ID Generator</Name>
-    <Synchronization>Synchronous</Synchronization>
-    <Type>10002</Type>
-    <SequenceNumber>1001</SequenceNumber>
-    <Assembly>Microsoft.Office.DocumentManagement, Version=14.0.0.0, Culture=neutral, PublicKeyToken=71e9bce111e9429c</Assembly>
-    <Class>Microsoft.Office.DocumentManagement.Internal.DocIdHandler</Class>
-    <Data/>
-    <Filter/>
-  </Receiver>
-  <Receiver>
-    <Name>Document ID Generator</Name>
-    <Synchronization>Synchronous</Synchronization>
-    <Type>10004</Type>
-    <SequenceNumber>1002</SequenceNumber>
-    <Assembly>Microsoft.Office.DocumentManagement, Version=14.0.0.0, Culture=neutral, PublicKeyToken=71e9bce111e9429c</Assembly>
-    <Class>Microsoft.Office.DocumentManagement.Internal.DocIdHandler</Class>
-    <Data/>
-    <Filter/>
-  </Receiver>
-  <Receiver>
-    <Name>Document ID Generator</Name>
-    <Synchronization>Synchronous</Synchronization>
-    <Type>10006</Type>
-    <SequenceNumber>1003</SequenceNumber>
-    <Assembly>Microsoft.Office.DocumentManagement, Version=14.0.0.0, Culture=neutral, PublicKeyToken=71e9bce111e9429c</Assembly>
-    <Class>Microsoft.Office.DocumentManagement.Internal.DocIdHandler</Class>
-    <Data/>
-    <Filter/>
-  </Receiver>
-</spe:Receivers>
+<p:properties xmlns:p="http://schemas.microsoft.com/office/2006/metadata/properties" xmlns:xsi="http://www.w3.org/2001/XMLSchema-instance" xmlns:pc="http://schemas.microsoft.com/office/infopath/2007/PartnerControls">
+  <documentManagement>
+    <_dlc_DocId xmlns="037063e9-a85e-4c78-8627-f1a9315663e5">EVEA5JW6U4JV-6-9770</_dlc_DocId>
+    <_dlc_DocIdUrl xmlns="037063e9-a85e-4c78-8627-f1a9315663e5">
+      <Url>https://portal.roitraining.com/Courses/_layouts/DocIdRedir.aspx?ID=EVEA5JW6U4JV-6-9770</Url>
+      <Description>EVEA5JW6U4JV-6-9770</Description>
+    </_dlc_DocIdUrl>
+    <Date_x0020_last_x0020_used xmlns="027ed24f-5970-4294-be5c-0919c5aaa214" xsi:nil="true"/>
+    <Customization_x0020_Information xmlns="027ed24f-5970-4294-be5c-0919c5aaa214" xsi:nil="true"/>
+  </documentManagement>
+</p:properties>
 </file>
 
 <file path=customXml/itemProps1.xml><?xml version="1.0" encoding="utf-8"?>
@@ -15783,12 +15822,9 @@
 </file>
 
 <file path=customXml/itemProps2.xml><?xml version="1.0" encoding="utf-8"?>
-<ds:datastoreItem xmlns:ds="http://schemas.openxmlformats.org/officeDocument/2006/customXml" ds:itemID="{F47B9207-CE5C-49AD-B414-15CBFA246D65}">
+<ds:datastoreItem xmlns:ds="http://schemas.openxmlformats.org/officeDocument/2006/customXml" ds:itemID="{B9043294-8302-4947-B882-02D6486F929C}">
   <ds:schemaRefs>
-    <ds:schemaRef ds:uri="http://schemas.microsoft.com/office/2006/metadata/properties"/>
-    <ds:schemaRef ds:uri="http://schemas.microsoft.com/office/infopath/2007/PartnerControls"/>
-    <ds:schemaRef ds:uri="037063e9-a85e-4c78-8627-f1a9315663e5"/>
-    <ds:schemaRef ds:uri="027ed24f-5970-4294-be5c-0919c5aaa214"/>
+    <ds:schemaRef ds:uri="http://schemas.microsoft.com/sharepoint/events"/>
   </ds:schemaRefs>
 </ds:datastoreItem>
 </file>
@@ -15813,9 +15849,12 @@
 </file>
 
 <file path=customXml/itemProps4.xml><?xml version="1.0" encoding="utf-8"?>
-<ds:datastoreItem xmlns:ds="http://schemas.openxmlformats.org/officeDocument/2006/customXml" ds:itemID="{B9043294-8302-4947-B882-02D6486F929C}">
+<ds:datastoreItem xmlns:ds="http://schemas.openxmlformats.org/officeDocument/2006/customXml" ds:itemID="{F47B9207-CE5C-49AD-B414-15CBFA246D65}">
   <ds:schemaRefs>
-    <ds:schemaRef ds:uri="http://schemas.microsoft.com/sharepoint/events"/>
+    <ds:schemaRef ds:uri="http://schemas.microsoft.com/office/2006/metadata/properties"/>
+    <ds:schemaRef ds:uri="http://schemas.microsoft.com/office/infopath/2007/PartnerControls"/>
+    <ds:schemaRef ds:uri="037063e9-a85e-4c78-8627-f1a9315663e5"/>
+    <ds:schemaRef ds:uri="027ed24f-5970-4294-be5c-0919c5aaa214"/>
   </ds:schemaRefs>
 </ds:datastoreItem>
 </file>
--- a/Ch01_IntroToSpark.pptx
+++ b/Ch01_IntroToSpark.pptx
@@ -11192,21 +11192,21 @@
                 <a:latin typeface="Courier New" panose="02070309020205020404" pitchFamily="49" charset="0"/>
                 <a:cs typeface="Courier New" panose="02070309020205020404" pitchFamily="49" charset="0"/>
               </a:rPr>
-              <a:t>x = sc.textFile('</a:t>
+              <a:t>x = </a:t>
             </a:r>
             <a:r>
               <a:rPr lang="en-US" dirty="0" err="1">
                 <a:latin typeface="Courier New" panose="02070309020205020404" pitchFamily="49" charset="0"/>
                 <a:cs typeface="Courier New" panose="02070309020205020404" pitchFamily="49" charset="0"/>
               </a:rPr>
-              <a:t>SparkforDataEngineers</a:t>
+              <a:t>sc.textFile</a:t>
             </a:r>
             <a:r>
               <a:rPr lang="en-US" dirty="0">
                 <a:latin typeface="Courier New" panose="02070309020205020404" pitchFamily="49" charset="0"/>
                 <a:cs typeface="Courier New" panose="02070309020205020404" pitchFamily="49" charset="0"/>
               </a:rPr>
-              <a:t>/datasets/text/shakespeare.txt')</a:t>
+              <a:t>('/home/student/ROI/Spark/datasets/text/shakespeare.txt')</a:t>
             </a:r>
           </a:p>
           <a:p>
@@ -11304,7 +11304,7 @@
                 <a:latin typeface="Courier New" panose="02070309020205020404" pitchFamily="49" charset="0"/>
                 <a:cs typeface="Courier New" panose="02070309020205020404" pitchFamily="49" charset="0"/>
               </a:rPr>
-              <a:t>, HOME = initspark()</a:t>
+              <a:t> = initspark()</a:t>
             </a:r>
           </a:p>
           <a:p>
@@ -11330,7 +11330,7 @@
                 <a:latin typeface="Courier New" panose="02070309020205020404" pitchFamily="49" charset="0"/>
                 <a:cs typeface="Courier New" panose="02070309020205020404" pitchFamily="49" charset="0"/>
               </a:rPr>
-              <a:t>, HOME = initspark(appname = 'appname', servername = 'sparkservername', cassandra = '127.0.0.1')</a:t>
+              <a:t> = initspark(appname = 'appname', servername = 'sparkservername', cassandra = '127.0.0.1')</a:t>
             </a:r>
           </a:p>
           <a:p>
@@ -11519,35 +11519,7 @@
                 <a:latin typeface="Courier New" panose="02070309020205020404" pitchFamily="49" charset="0"/>
                 <a:cs typeface="Courier New" panose="02070309020205020404" pitchFamily="49" charset="0"/>
               </a:rPr>
-              <a:t>(</a:t>
-            </a:r>
-            <a:r>
-              <a:rPr lang="en-US" dirty="0" err="1">
-                <a:latin typeface="Courier New" panose="02070309020205020404" pitchFamily="49" charset="0"/>
-                <a:cs typeface="Courier New" panose="02070309020205020404" pitchFamily="49" charset="0"/>
-              </a:rPr>
-              <a:t>f'file</a:t>
-            </a:r>
-            <a:r>
-              <a:rPr lang="en-US" dirty="0">
-                <a:latin typeface="Courier New" panose="02070309020205020404" pitchFamily="49" charset="0"/>
-                <a:cs typeface="Courier New" panose="02070309020205020404" pitchFamily="49" charset="0"/>
-              </a:rPr>
-              <a:t>:///{HOME}/datasets/</a:t>
-            </a:r>
-            <a:r>
-              <a:rPr lang="en-US" dirty="0" err="1">
-                <a:latin typeface="Courier New" panose="02070309020205020404" pitchFamily="49" charset="0"/>
-                <a:cs typeface="Courier New" panose="02070309020205020404" pitchFamily="49" charset="0"/>
-              </a:rPr>
-              <a:t>northwind</a:t>
-            </a:r>
-            <a:r>
-              <a:rPr lang="en-US" dirty="0">
-                <a:latin typeface="Courier New" panose="02070309020205020404" pitchFamily="49" charset="0"/>
-                <a:cs typeface="Courier New" panose="02070309020205020404" pitchFamily="49" charset="0"/>
-              </a:rPr>
-              <a:t>/CSV/</a:t>
+              <a:t>('file:///home/student/ROI/Spark/datasets/</a:t>
             </a:r>
             <a:br>
               <a:rPr lang="en-US" dirty="0">
@@ -11560,7 +11532,21 @@
                 <a:latin typeface="Courier New" panose="02070309020205020404" pitchFamily="49" charset="0"/>
                 <a:cs typeface="Courier New" panose="02070309020205020404" pitchFamily="49" charset="0"/>
               </a:rPr>
-              <a:t>    categories/</a:t>
+              <a:t>    </a:t>
+            </a:r>
+            <a:r>
+              <a:rPr lang="en-US" dirty="0" err="1">
+                <a:latin typeface="Courier New" panose="02070309020205020404" pitchFamily="49" charset="0"/>
+                <a:cs typeface="Courier New" panose="02070309020205020404" pitchFamily="49" charset="0"/>
+              </a:rPr>
+              <a:t>northwind</a:t>
+            </a:r>
+            <a:r>
+              <a:rPr lang="en-US" dirty="0">
+                <a:latin typeface="Courier New" panose="02070309020205020404" pitchFamily="49" charset="0"/>
+                <a:cs typeface="Courier New" panose="02070309020205020404" pitchFamily="49" charset="0"/>
+              </a:rPr>
+              <a:t>/CSV/categories/</a:t>
             </a:r>
             <a:r>
               <a:rPr lang="en-US" dirty="0" err="1">
@@ -11606,21 +11592,7 @@
                 <a:latin typeface="Courier New" panose="02070309020205020404" pitchFamily="49" charset="0"/>
                 <a:cs typeface="Courier New" panose="02070309020205020404" pitchFamily="49" charset="0"/>
               </a:rPr>
-              <a:t>(</a:t>
-            </a:r>
-            <a:r>
-              <a:rPr lang="en-US" dirty="0" err="1">
-                <a:latin typeface="Courier New" panose="02070309020205020404" pitchFamily="49" charset="0"/>
-                <a:cs typeface="Courier New" panose="02070309020205020404" pitchFamily="49" charset="0"/>
-              </a:rPr>
-              <a:t>f'file</a:t>
-            </a:r>
-            <a:r>
-              <a:rPr lang="en-US" dirty="0">
-                <a:latin typeface="Courier New" panose="02070309020205020404" pitchFamily="49" charset="0"/>
-                <a:cs typeface="Courier New" panose="02070309020205020404" pitchFamily="49" charset="0"/>
-              </a:rPr>
-              <a:t>:///{HOME}/datasets/northwind/CSV/</a:t>
+              <a:t>('file:///home/student/ROI/Spark/datasets/</a:t>
             </a:r>
             <a:br>
               <a:rPr lang="en-US" dirty="0">
@@ -11633,7 +11605,21 @@
                 <a:latin typeface="Courier New" panose="02070309020205020404" pitchFamily="49" charset="0"/>
                 <a:cs typeface="Courier New" panose="02070309020205020404" pitchFamily="49" charset="0"/>
               </a:rPr>
-              <a:t>    categories')</a:t>
+              <a:t>    </a:t>
+            </a:r>
+            <a:r>
+              <a:rPr lang="en-US" dirty="0" err="1">
+                <a:latin typeface="Courier New" panose="02070309020205020404" pitchFamily="49" charset="0"/>
+                <a:cs typeface="Courier New" panose="02070309020205020404" pitchFamily="49" charset="0"/>
+              </a:rPr>
+              <a:t>northwind</a:t>
+            </a:r>
+            <a:r>
+              <a:rPr lang="en-US" dirty="0">
+                <a:latin typeface="Courier New" panose="02070309020205020404" pitchFamily="49" charset="0"/>
+                <a:cs typeface="Courier New" panose="02070309020205020404" pitchFamily="49" charset="0"/>
+              </a:rPr>
+              <a:t>/CSV/categories')</a:t>
             </a:r>
           </a:p>
           <a:p>
@@ -13811,21 +13797,7 @@
                 <a:latin typeface="Courier New" panose="02070309020205020404" pitchFamily="49" charset="0"/>
                 <a:cs typeface="Courier New" panose="02070309020205020404" pitchFamily="49" charset="0"/>
               </a:rPr>
-              <a:t>hdfs dfs –put </a:t>
-            </a:r>
-            <a:r>
-              <a:rPr lang="en-US" sz="1600">
-                <a:latin typeface="Courier New" panose="02070309020205020404" pitchFamily="49" charset="0"/>
-                <a:cs typeface="Courier New" panose="02070309020205020404" pitchFamily="49" charset="0"/>
-              </a:rPr>
-              <a:t>~/ROI/Spark</a:t>
-            </a:r>
-            <a:r>
-              <a:rPr lang="en-US" sz="1600" dirty="0">
-                <a:latin typeface="Courier New" panose="02070309020205020404" pitchFamily="49" charset="0"/>
-                <a:cs typeface="Courier New" panose="02070309020205020404" pitchFamily="49" charset="0"/>
-              </a:rPr>
-              <a:t>/datasets/northwind/CSV/categories /</a:t>
+              <a:t>hdfs dfs –put ~/ROI/Spark/datasets/northwind/CSV/categories /</a:t>
             </a:r>
           </a:p>
           <a:p>

--- a/Ch01_IntroToSpark.pptx
+++ b/Ch01_IntroToSpark.pptx
@@ -5,19 +5,19 @@
     <p:sldMasterId id="2147483684" r:id="rId5"/>
   </p:sldMasterIdLst>
   <p:notesMasterIdLst>
-    <p:notesMasterId r:id="rId37"/>
+    <p:notesMasterId r:id="rId36"/>
   </p:notesMasterIdLst>
   <p:handoutMasterIdLst>
-    <p:handoutMasterId r:id="rId38"/>
+    <p:handoutMasterId r:id="rId37"/>
   </p:handoutMasterIdLst>
   <p:sldIdLst>
     <p:sldId id="257" r:id="rId6"/>
     <p:sldId id="306" r:id="rId7"/>
-    <p:sldId id="260" r:id="rId8"/>
-    <p:sldId id="367" r:id="rId9"/>
-    <p:sldId id="346" r:id="rId10"/>
-    <p:sldId id="381" r:id="rId11"/>
-    <p:sldId id="385" r:id="rId12"/>
+    <p:sldId id="385" r:id="rId8"/>
+    <p:sldId id="260" r:id="rId9"/>
+    <p:sldId id="367" r:id="rId10"/>
+    <p:sldId id="346" r:id="rId11"/>
+    <p:sldId id="381" r:id="rId12"/>
     <p:sldId id="384" r:id="rId13"/>
     <p:sldId id="307" r:id="rId14"/>
     <p:sldId id="316" r:id="rId15"/>
@@ -40,8 +40,7 @@
     <p:sldId id="377" r:id="rId32"/>
     <p:sldId id="376" r:id="rId33"/>
     <p:sldId id="378" r:id="rId34"/>
-    <p:sldId id="314" r:id="rId35"/>
-    <p:sldId id="380" r:id="rId36"/>
+    <p:sldId id="380" r:id="rId35"/>
   </p:sldIdLst>
   <p:sldSz cx="9144000" cy="6858000" type="screen4x3"/>
   <p:notesSz cx="7053263" cy="9356725"/>
@@ -2712,7 +2711,26 @@
       </p:grpSpPr>
       <p:sp>
         <p:nvSpPr>
-          <p:cNvPr id="2" name="Slide Image Placeholder 1"/>
+          <p:cNvPr id="3" name="Notes Placeholder 2"/>
+          <p:cNvSpPr>
+            <a:spLocks noGrp="1"/>
+          </p:cNvSpPr>
+          <p:nvPr>
+            <p:ph type="body" idx="1"/>
+          </p:nvPr>
+        </p:nvSpPr>
+        <p:spPr/>
+        <p:txBody>
+          <a:bodyPr/>
+          <a:lstStyle/>
+          <a:p>
+            <a:endParaRPr lang="en-US" dirty="0"/>
+          </a:p>
+        </p:txBody>
+      </p:sp>
+      <p:sp>
+        <p:nvSpPr>
+          <p:cNvPr id="6" name="Slide Image Placeholder 5"/>
           <p:cNvSpPr>
             <a:spLocks noGrp="1" noRot="1" noChangeAspect="1"/>
           </p:cNvSpPr>
@@ -2727,29 +2745,10 @@
           </a:xfrm>
         </p:spPr>
       </p:sp>
-      <p:sp>
-        <p:nvSpPr>
-          <p:cNvPr id="3" name="Notes Placeholder 2"/>
-          <p:cNvSpPr>
-            <a:spLocks noGrp="1"/>
-          </p:cNvSpPr>
-          <p:nvPr>
-            <p:ph type="body" idx="1"/>
-          </p:nvPr>
-        </p:nvSpPr>
-        <p:spPr/>
-        <p:txBody>
-          <a:bodyPr/>
-          <a:lstStyle/>
-          <a:p>
-            <a:endParaRPr lang="en-US" dirty="0"/>
-          </a:p>
-        </p:txBody>
-      </p:sp>
     </p:spTree>
     <p:extLst>
       <p:ext uri="{BB962C8B-B14F-4D97-AF65-F5344CB8AC3E}">
-        <p14:creationId xmlns:p14="http://schemas.microsoft.com/office/powerpoint/2010/main" val="2505999120"/>
+        <p14:creationId xmlns:p14="http://schemas.microsoft.com/office/powerpoint/2010/main" val="406599443"/>
       </p:ext>
     </p:extLst>
   </p:cSld>
@@ -2760,72 +2759,6 @@
 </file>
 
 <file path=ppt/notesSlides/notesSlide30.xml><?xml version="1.0" encoding="utf-8"?>
-<p:notes xmlns:a="http://schemas.openxmlformats.org/drawingml/2006/main" xmlns:r="http://schemas.openxmlformats.org/officeDocument/2006/relationships" xmlns:p="http://schemas.openxmlformats.org/presentationml/2006/main">
-  <p:cSld>
-    <p:spTree>
-      <p:nvGrpSpPr>
-        <p:cNvPr id="1" name=""/>
-        <p:cNvGrpSpPr/>
-        <p:nvPr/>
-      </p:nvGrpSpPr>
-      <p:grpSpPr>
-        <a:xfrm>
-          <a:off x="0" y="0"/>
-          <a:ext cx="0" cy="0"/>
-          <a:chOff x="0" y="0"/>
-          <a:chExt cx="0" cy="0"/>
-        </a:xfrm>
-      </p:grpSpPr>
-      <p:sp>
-        <p:nvSpPr>
-          <p:cNvPr id="15" name="Slide Image Placeholder 14"/>
-          <p:cNvSpPr>
-            <a:spLocks noGrp="1" noRot="1" noChangeAspect="1"/>
-          </p:cNvSpPr>
-          <p:nvPr>
-            <p:ph type="sldImg"/>
-          </p:nvPr>
-        </p:nvSpPr>
-        <p:spPr>
-          <a:xfrm>
-            <a:off x="1189038" y="701675"/>
-            <a:ext cx="4676775" cy="3508375"/>
-          </a:xfrm>
-        </p:spPr>
-      </p:sp>
-      <p:sp>
-        <p:nvSpPr>
-          <p:cNvPr id="16" name="Notes Placeholder 15"/>
-          <p:cNvSpPr>
-            <a:spLocks noGrp="1"/>
-          </p:cNvSpPr>
-          <p:nvPr>
-            <p:ph type="body" idx="1"/>
-          </p:nvPr>
-        </p:nvSpPr>
-        <p:spPr/>
-        <p:txBody>
-          <a:bodyPr/>
-          <a:lstStyle/>
-          <a:p>
-            <a:endParaRPr lang="en-US" dirty="0"/>
-          </a:p>
-        </p:txBody>
-      </p:sp>
-    </p:spTree>
-    <p:extLst>
-      <p:ext uri="{BB962C8B-B14F-4D97-AF65-F5344CB8AC3E}">
-        <p14:creationId xmlns:p14="http://schemas.microsoft.com/office/powerpoint/2010/main" val="689337057"/>
-      </p:ext>
-    </p:extLst>
-  </p:cSld>
-  <p:clrMapOvr>
-    <a:masterClrMapping/>
-  </p:clrMapOvr>
-</p:notes>
-</file>
-
-<file path=ppt/notesSlides/notesSlide31.xml><?xml version="1.0" encoding="utf-8"?>
 <p:notes xmlns:a="http://schemas.openxmlformats.org/drawingml/2006/main" xmlns:r="http://schemas.openxmlformats.org/officeDocument/2006/relationships" xmlns:p="http://schemas.openxmlformats.org/presentationml/2006/main">
   <p:cSld>
     <p:spTree>
@@ -2947,7 +2880,7 @@
     </p:spTree>
     <p:extLst>
       <p:ext uri="{BB962C8B-B14F-4D97-AF65-F5344CB8AC3E}">
-        <p14:creationId xmlns:p14="http://schemas.microsoft.com/office/powerpoint/2010/main" val="3959647694"/>
+        <p14:creationId xmlns:p14="http://schemas.microsoft.com/office/powerpoint/2010/main" val="2505999120"/>
       </p:ext>
     </p:extLst>
   </p:cSld>
@@ -3013,7 +2946,7 @@
     </p:spTree>
     <p:extLst>
       <p:ext uri="{BB962C8B-B14F-4D97-AF65-F5344CB8AC3E}">
-        <p14:creationId xmlns:p14="http://schemas.microsoft.com/office/powerpoint/2010/main" val="615170456"/>
+        <p14:creationId xmlns:p14="http://schemas.microsoft.com/office/powerpoint/2010/main" val="3959647694"/>
       </p:ext>
     </p:extLst>
   </p:cSld>
@@ -3042,26 +2975,7 @@
       </p:grpSpPr>
       <p:sp>
         <p:nvSpPr>
-          <p:cNvPr id="3" name="Notes Placeholder 2"/>
-          <p:cNvSpPr>
-            <a:spLocks noGrp="1"/>
-          </p:cNvSpPr>
-          <p:nvPr>
-            <p:ph type="body" idx="1"/>
-          </p:nvPr>
-        </p:nvSpPr>
-        <p:spPr/>
-        <p:txBody>
-          <a:bodyPr/>
-          <a:lstStyle/>
-          <a:p>
-            <a:endParaRPr lang="en-US" dirty="0"/>
-          </a:p>
-        </p:txBody>
-      </p:sp>
-      <p:sp>
-        <p:nvSpPr>
-          <p:cNvPr id="6" name="Slide Image Placeholder 5"/>
+          <p:cNvPr id="2" name="Slide Image Placeholder 1"/>
           <p:cNvSpPr>
             <a:spLocks noGrp="1" noRot="1" noChangeAspect="1"/>
           </p:cNvSpPr>
@@ -3076,10 +2990,29 @@
           </a:xfrm>
         </p:spPr>
       </p:sp>
+      <p:sp>
+        <p:nvSpPr>
+          <p:cNvPr id="3" name="Notes Placeholder 2"/>
+          <p:cNvSpPr>
+            <a:spLocks noGrp="1"/>
+          </p:cNvSpPr>
+          <p:nvPr>
+            <p:ph type="body" idx="1"/>
+          </p:nvPr>
+        </p:nvSpPr>
+        <p:spPr/>
+        <p:txBody>
+          <a:bodyPr/>
+          <a:lstStyle/>
+          <a:p>
+            <a:endParaRPr lang="en-US" dirty="0"/>
+          </a:p>
+        </p:txBody>
+      </p:sp>
     </p:spTree>
     <p:extLst>
       <p:ext uri="{BB962C8B-B14F-4D97-AF65-F5344CB8AC3E}">
-        <p14:creationId xmlns:p14="http://schemas.microsoft.com/office/powerpoint/2010/main" val="351176157"/>
+        <p14:creationId xmlns:p14="http://schemas.microsoft.com/office/powerpoint/2010/main" val="615170456"/>
       </p:ext>
     </p:extLst>
   </p:cSld>
@@ -3145,7 +3078,7 @@
     </p:spTree>
     <p:extLst>
       <p:ext uri="{BB962C8B-B14F-4D97-AF65-F5344CB8AC3E}">
-        <p14:creationId xmlns:p14="http://schemas.microsoft.com/office/powerpoint/2010/main" val="406599443"/>
+        <p14:creationId xmlns:p14="http://schemas.microsoft.com/office/powerpoint/2010/main" val="351176157"/>
       </p:ext>
     </p:extLst>
   </p:cSld>
@@ -12804,112 +12737,92 @@
           <a:p>
             <a:r>
               <a:rPr lang="en-US" dirty="0"/>
-              <a:t>The Hadoop Distributed File System (HDFS) is the main storage used by Hadoop MapReduce applications</a:t>
+              <a:t>To start </a:t>
+            </a:r>
+            <a:r>
+              <a:rPr lang="en-US" dirty="0" err="1"/>
+              <a:t>Jupyter</a:t>
+            </a:r>
+            <a:r>
+              <a:rPr lang="en-US" dirty="0"/>
+              <a:t> with the latest lesson on the VM</a:t>
+            </a:r>
+          </a:p>
+          <a:p>
+            <a:pPr marL="457200" lvl="2" indent="0">
+              <a:buNone/>
+            </a:pPr>
+            <a:r>
+              <a:rPr lang="en-US" dirty="0"/>
+              <a:t>Open a terminal window and type the following commands:</a:t>
+            </a:r>
+            <a:br>
+              <a:rPr lang="en-US" dirty="0"/>
+            </a:br>
+            <a:endParaRPr lang="en-US" dirty="0"/>
+          </a:p>
+          <a:p>
+            <a:pPr marL="457200" lvl="2" indent="0">
+              <a:buNone/>
+            </a:pPr>
+            <a:r>
+              <a:rPr lang="en-US" dirty="0" err="1">
+                <a:latin typeface="Courier New" panose="02070309020205020404" pitchFamily="49" charset="0"/>
+                <a:cs typeface="Courier New" panose="02070309020205020404" pitchFamily="49" charset="0"/>
+              </a:rPr>
+              <a:t>sudo</a:t>
+            </a:r>
+            <a:r>
+              <a:rPr lang="en-US" dirty="0">
+                <a:latin typeface="Courier New" panose="02070309020205020404" pitchFamily="49" charset="0"/>
+                <a:cs typeface="Courier New" panose="02070309020205020404" pitchFamily="49" charset="0"/>
+              </a:rPr>
+              <a:t> bash</a:t>
+            </a:r>
+          </a:p>
+          <a:p>
+            <a:pPr marL="457200" lvl="2" indent="0">
+              <a:buNone/>
+            </a:pPr>
+            <a:r>
+              <a:rPr lang="en-US" dirty="0">
+                <a:latin typeface="Courier New" panose="02070309020205020404" pitchFamily="49" charset="0"/>
+                <a:cs typeface="Courier New" panose="02070309020205020404" pitchFamily="49" charset="0"/>
+              </a:rPr>
+              <a:t>start-notebook</a:t>
             </a:r>
           </a:p>
           <a:p>
             <a:pPr lvl="1"/>
-            <a:r>
-              <a:rPr lang="en-US" dirty="0"/>
-              <a:t>Distributed, POSIX-like file system</a:t>
-            </a:r>
-          </a:p>
-          <a:p>
-            <a:pPr lvl="2"/>
-            <a:r>
-              <a:rPr lang="en-US" dirty="0"/>
-              <a:t>Designed to run on commodity hardware</a:t>
-            </a:r>
-          </a:p>
-          <a:p>
-            <a:pPr lvl="2"/>
-            <a:r>
-              <a:rPr lang="en-US" dirty="0"/>
-              <a:t>Scales to clusters composed of thousands of nodes</a:t>
-            </a:r>
+            <a:endParaRPr lang="en-US" dirty="0"/>
           </a:p>
           <a:p>
             <a:pPr lvl="1"/>
             <a:r>
               <a:rPr lang="en-US" dirty="0"/>
-              <a:t>Highly fault tolerant</a:t>
-            </a:r>
-          </a:p>
-          <a:p>
-            <a:pPr lvl="2"/>
-            <a:r>
-              <a:rPr lang="en-US" dirty="0"/>
-              <a:t>Automatically detects hardware faults</a:t>
-            </a:r>
-          </a:p>
-          <a:p>
-            <a:pPr lvl="2"/>
-            <a:r>
-              <a:rPr lang="en-US" dirty="0"/>
-              <a:t>Supports quick recovery</a:t>
-            </a:r>
-          </a:p>
-          <a:p>
-            <a:pPr lvl="1"/>
-            <a:r>
-              <a:rPr lang="en-US" dirty="0"/>
-              <a:t>Implemented in Java</a:t>
-            </a:r>
-          </a:p>
-          <a:p>
-            <a:r>
-              <a:rPr lang="en-US" dirty="0"/>
-              <a:t>Can be used as a standalone general purpose file system, but relaxes certain POSIX filesystem requirements</a:t>
-            </a:r>
-          </a:p>
-          <a:p>
-            <a:pPr lvl="1"/>
-            <a:r>
-              <a:rPr lang="en-US" dirty="0"/>
-              <a:t>Designed for storing and reading very large files (&gt;TB)</a:t>
-            </a:r>
-          </a:p>
-          <a:p>
-            <a:pPr lvl="2"/>
-            <a:r>
-              <a:rPr lang="en-US" dirty="0"/>
-              <a:t>Supports high throughput read and writes</a:t>
-            </a:r>
-          </a:p>
-          <a:p>
-            <a:pPr lvl="2"/>
-            <a:r>
-              <a:rPr lang="en-US" dirty="0"/>
-              <a:t>Write once, read many</a:t>
-            </a:r>
-          </a:p>
-          <a:p>
-            <a:pPr lvl="2"/>
-            <a:r>
-              <a:rPr lang="en-US" dirty="0"/>
-              <a:t>Aimed at batch processing</a:t>
-            </a:r>
-          </a:p>
-          <a:p>
-            <a:pPr lvl="2"/>
-            <a:r>
-              <a:rPr lang="en-US" dirty="0"/>
-              <a:t>Default block size is 128MB</a:t>
-            </a:r>
-          </a:p>
-          <a:p>
-            <a:pPr lvl="1"/>
-            <a:r>
-              <a:rPr lang="en-US" dirty="0"/>
-              <a:t>Does not support random insertion or modification of data</a:t>
-            </a:r>
-          </a:p>
-          <a:p>
-            <a:pPr lvl="1"/>
-            <a:r>
-              <a:rPr lang="en-US" dirty="0"/>
-              <a:t>Appending/truncating data is possible</a:t>
-            </a:r>
+              <a:t>This will launch the browser so you can navigate to which lesson folder you want to work on</a:t>
+            </a:r>
+          </a:p>
+          <a:p>
+            <a:pPr marL="228600" lvl="1" indent="0">
+              <a:buNone/>
+            </a:pPr>
+            <a:endParaRPr lang="en-US" dirty="0">
+              <a:latin typeface="Courier New" panose="02070309020205020404" pitchFamily="49" charset="0"/>
+              <a:cs typeface="Courier New" panose="02070309020205020404" pitchFamily="49" charset="0"/>
+            </a:endParaRPr>
+          </a:p>
+          <a:p>
+            <a:pPr marL="228600" lvl="1" indent="0">
+              <a:buNone/>
+            </a:pPr>
+            <a:endParaRPr lang="en-US" dirty="0"/>
+          </a:p>
+          <a:p>
+            <a:pPr marL="511175" lvl="3" indent="0">
+              <a:buNone/>
+            </a:pPr>
+            <a:endParaRPr lang="en-US" dirty="0"/>
           </a:p>
         </p:txBody>
       </p:sp>
@@ -12930,15 +12843,20 @@
           <a:p>
             <a:r>
               <a:rPr lang="en-US" dirty="0"/>
-              <a:t>About HDFS—I</a:t>
-            </a:r>
+              <a:t>Start </a:t>
+            </a:r>
+            <a:r>
+              <a:rPr lang="en-US" dirty="0" err="1"/>
+              <a:t>Jupyter</a:t>
+            </a:r>
+            <a:endParaRPr lang="en-US" dirty="0"/>
           </a:p>
         </p:txBody>
       </p:sp>
     </p:spTree>
     <p:extLst>
       <p:ext uri="{BB962C8B-B14F-4D97-AF65-F5344CB8AC3E}">
-        <p14:creationId xmlns:p14="http://schemas.microsoft.com/office/powerpoint/2010/main" val="761700169"/>
+        <p14:creationId xmlns:p14="http://schemas.microsoft.com/office/powerpoint/2010/main" val="1302897557"/>
       </p:ext>
     </p:extLst>
   </p:cSld>
@@ -12949,195 +12867,6 @@
 </file>
 
 <file path=ppt/slides/slide30.xml><?xml version="1.0" encoding="utf-8"?>
-<p:sld xmlns:a="http://schemas.openxmlformats.org/drawingml/2006/main" xmlns:r="http://schemas.openxmlformats.org/officeDocument/2006/relationships" xmlns:p="http://schemas.openxmlformats.org/presentationml/2006/main">
-  <p:cSld>
-    <p:spTree>
-      <p:nvGrpSpPr>
-        <p:cNvPr id="1" name=""/>
-        <p:cNvGrpSpPr/>
-        <p:nvPr/>
-      </p:nvGrpSpPr>
-      <p:grpSpPr>
-        <a:xfrm>
-          <a:off x="0" y="0"/>
-          <a:ext cx="0" cy="0"/>
-          <a:chOff x="0" y="0"/>
-          <a:chExt cx="0" cy="0"/>
-        </a:xfrm>
-      </p:grpSpPr>
-      <p:sp>
-        <p:nvSpPr>
-          <p:cNvPr id="3" name="Content Placeholder 2"/>
-          <p:cNvSpPr>
-            <a:spLocks noGrp="1"/>
-          </p:cNvSpPr>
-          <p:nvPr>
-            <p:ph idx="1"/>
-          </p:nvPr>
-        </p:nvSpPr>
-        <p:spPr>
-          <a:xfrm>
-            <a:off x="581025" y="1155614"/>
-            <a:ext cx="8402554" cy="5072616"/>
-          </a:xfrm>
-        </p:spPr>
-        <p:txBody>
-          <a:bodyPr/>
-          <a:lstStyle/>
-          <a:p>
-            <a:pPr marL="0" indent="0">
-              <a:buNone/>
-            </a:pPr>
-            <a:r>
-              <a:rPr lang="en-US" dirty="0"/>
-              <a:t>The </a:t>
-            </a:r>
-            <a:r>
-              <a:rPr lang="en-US" dirty="0">
-                <a:latin typeface="Courier New" panose="02070309020205020404" pitchFamily="49" charset="0"/>
-                <a:cs typeface="Courier New" panose="02070309020205020404" pitchFamily="49" charset="0"/>
-              </a:rPr>
-              <a:t>creditcard.csv</a:t>
-            </a:r>
-            <a:r>
-              <a:rPr lang="en-US" dirty="0"/>
-              <a:t> dataset provides sample data on credit card transactions.</a:t>
-            </a:r>
-          </a:p>
-          <a:p>
-            <a:r>
-              <a:rPr lang="en-US" dirty="0"/>
-              <a:t>Load the file into HDFS</a:t>
-            </a:r>
-          </a:p>
-          <a:p>
-            <a:r>
-              <a:rPr lang="en-US" dirty="0"/>
-              <a:t>Load the file into an RDD</a:t>
-            </a:r>
-          </a:p>
-          <a:p>
-            <a:r>
-              <a:rPr lang="en-US" dirty="0"/>
-              <a:t>Parse the file into a tuple </a:t>
-            </a:r>
-          </a:p>
-          <a:p>
-            <a:pPr lvl="1"/>
-            <a:r>
-              <a:rPr lang="en-US" dirty="0"/>
-              <a:t>Make sure to convert columns to the right data types</a:t>
-            </a:r>
-          </a:p>
-          <a:p>
-            <a:pPr lvl="1"/>
-            <a:r>
-              <a:rPr lang="en-US" dirty="0"/>
-              <a:t>You can ignore any columns you don’t need for the solution</a:t>
-            </a:r>
-          </a:p>
-          <a:p>
-            <a:pPr lvl="1"/>
-            <a:r>
-              <a:rPr lang="en-US" dirty="0"/>
-              <a:t>Hints </a:t>
-            </a:r>
-          </a:p>
-          <a:p>
-            <a:pPr lvl="2"/>
-            <a:r>
-              <a:rPr lang="en-US" dirty="0"/>
-              <a:t>ignore the first row</a:t>
-            </a:r>
-          </a:p>
-          <a:p>
-            <a:pPr lvl="2"/>
-            <a:r>
-              <a:rPr lang="en-US" dirty="0"/>
-              <a:t>use a lambda to split the line by comma</a:t>
-            </a:r>
-          </a:p>
-          <a:p>
-            <a:pPr lvl="2"/>
-            <a:r>
-              <a:rPr lang="en-US" dirty="0"/>
-              <a:t>use another lambda to convert the elements of the tuple into a new tuple</a:t>
-            </a:r>
-          </a:p>
-          <a:p>
-            <a:r>
-              <a:rPr lang="en-US" dirty="0"/>
-              <a:t>Filter the data to show only transactions made by women</a:t>
-            </a:r>
-          </a:p>
-          <a:p>
-            <a:pPr lvl="1"/>
-            <a:r>
-              <a:rPr lang="en-US" dirty="0"/>
-              <a:t>Hint use a lambda with the filter function</a:t>
-            </a:r>
-          </a:p>
-          <a:p>
-            <a:pPr lvl="1"/>
-            <a:r>
-              <a:rPr lang="en-US" dirty="0"/>
-              <a:t>Hint map the filtered result to return only the city, country and amounts</a:t>
-            </a:r>
-          </a:p>
-          <a:p>
-            <a:r>
-              <a:rPr lang="en-US" dirty="0"/>
-              <a:t>BONUS - Calculate the amount spent in each city</a:t>
-            </a:r>
-          </a:p>
-          <a:p>
-            <a:pPr lvl="1"/>
-            <a:r>
-              <a:rPr lang="en-US" dirty="0"/>
-              <a:t>Hint use a reduce with a lambda to add up the amounts</a:t>
-            </a:r>
-          </a:p>
-          <a:p>
-            <a:endParaRPr lang="en-US" dirty="0"/>
-          </a:p>
-        </p:txBody>
-      </p:sp>
-      <p:sp>
-        <p:nvSpPr>
-          <p:cNvPr id="2" name="Title 1"/>
-          <p:cNvSpPr>
-            <a:spLocks noGrp="1"/>
-          </p:cNvSpPr>
-          <p:nvPr>
-            <p:ph type="title"/>
-          </p:nvPr>
-        </p:nvSpPr>
-        <p:spPr/>
-        <p:txBody>
-          <a:bodyPr/>
-          <a:lstStyle/>
-          <a:p>
-            <a:r>
-              <a:rPr lang="en-US" dirty="0"/>
-              <a:t>Project</a:t>
-            </a:r>
-          </a:p>
-        </p:txBody>
-      </p:sp>
-    </p:spTree>
-    <p:extLst>
-      <p:ext uri="{BB962C8B-B14F-4D97-AF65-F5344CB8AC3E}">
-        <p14:creationId xmlns:p14="http://schemas.microsoft.com/office/powerpoint/2010/main" val="1148082936"/>
-      </p:ext>
-    </p:extLst>
-  </p:cSld>
-  <p:clrMapOvr>
-    <a:masterClrMapping/>
-  </p:clrMapOvr>
-</p:sld>
-</file>
-
-<file path=ppt/slides/slide31.xml><?xml version="1.0" encoding="utf-8"?>
 <p:sld xmlns:a="http://schemas.openxmlformats.org/drawingml/2006/main" xmlns:r="http://schemas.openxmlformats.org/officeDocument/2006/relationships" xmlns:p="http://schemas.openxmlformats.org/presentationml/2006/main">
   <p:cSld>
     <p:spTree>
@@ -13260,12 +12989,12 @@
       </p:grpSpPr>
       <p:sp>
         <p:nvSpPr>
-          <p:cNvPr id="2" name="Title 1"/>
+          <p:cNvPr id="3" name="Content Placeholder 2"/>
           <p:cNvSpPr>
             <a:spLocks noGrp="1"/>
           </p:cNvSpPr>
           <p:nvPr>
-            <p:ph type="title"/>
+            <p:ph idx="1"/>
           </p:nvPr>
         </p:nvSpPr>
         <p:spPr/>
@@ -13275,19 +13004,123 @@
           <a:p>
             <a:r>
               <a:rPr lang="en-US" dirty="0"/>
-              <a:t>About HDFS—II</a:t>
+              <a:t>The Hadoop Distributed File System (HDFS) is the main storage used by Hadoop MapReduce applications</a:t>
+            </a:r>
+          </a:p>
+          <a:p>
+            <a:pPr lvl="1"/>
+            <a:r>
+              <a:rPr lang="en-US" dirty="0"/>
+              <a:t>Distributed, POSIX-like file system</a:t>
+            </a:r>
+          </a:p>
+          <a:p>
+            <a:pPr lvl="2"/>
+            <a:r>
+              <a:rPr lang="en-US" dirty="0"/>
+              <a:t>Designed to run on commodity hardware</a:t>
+            </a:r>
+          </a:p>
+          <a:p>
+            <a:pPr lvl="2"/>
+            <a:r>
+              <a:rPr lang="en-US" dirty="0"/>
+              <a:t>Scales to clusters composed of thousands of nodes</a:t>
+            </a:r>
+          </a:p>
+          <a:p>
+            <a:pPr lvl="1"/>
+            <a:r>
+              <a:rPr lang="en-US" dirty="0"/>
+              <a:t>Highly fault tolerant</a:t>
+            </a:r>
+          </a:p>
+          <a:p>
+            <a:pPr lvl="2"/>
+            <a:r>
+              <a:rPr lang="en-US" dirty="0"/>
+              <a:t>Automatically detects hardware faults</a:t>
+            </a:r>
+          </a:p>
+          <a:p>
+            <a:pPr lvl="2"/>
+            <a:r>
+              <a:rPr lang="en-US" dirty="0"/>
+              <a:t>Supports quick recovery</a:t>
+            </a:r>
+          </a:p>
+          <a:p>
+            <a:pPr lvl="1"/>
+            <a:r>
+              <a:rPr lang="en-US" dirty="0"/>
+              <a:t>Implemented in Java</a:t>
+            </a:r>
+          </a:p>
+          <a:p>
+            <a:r>
+              <a:rPr lang="en-US" dirty="0"/>
+              <a:t>Can be used as a standalone general purpose file system, but relaxes certain POSIX filesystem requirements</a:t>
+            </a:r>
+          </a:p>
+          <a:p>
+            <a:pPr lvl="1"/>
+            <a:r>
+              <a:rPr lang="en-US" dirty="0"/>
+              <a:t>Designed for storing and reading very large files (&gt;TB)</a:t>
+            </a:r>
+          </a:p>
+          <a:p>
+            <a:pPr lvl="2"/>
+            <a:r>
+              <a:rPr lang="en-US" dirty="0"/>
+              <a:t>Supports high throughput read and writes</a:t>
+            </a:r>
+          </a:p>
+          <a:p>
+            <a:pPr lvl="2"/>
+            <a:r>
+              <a:rPr lang="en-US" dirty="0"/>
+              <a:t>Write once, read many</a:t>
+            </a:r>
+          </a:p>
+          <a:p>
+            <a:pPr lvl="2"/>
+            <a:r>
+              <a:rPr lang="en-US" dirty="0"/>
+              <a:t>Aimed at batch processing</a:t>
+            </a:r>
+          </a:p>
+          <a:p>
+            <a:pPr lvl="2"/>
+            <a:r>
+              <a:rPr lang="en-US" dirty="0"/>
+              <a:t>Default block size is 128MB</a:t>
+            </a:r>
+          </a:p>
+          <a:p>
+            <a:pPr lvl="1"/>
+            <a:r>
+              <a:rPr lang="en-US" dirty="0"/>
+              <a:t>Does not support random insertion or modification of data</a:t>
+            </a:r>
+          </a:p>
+          <a:p>
+            <a:pPr lvl="1"/>
+            <a:r>
+              <a:rPr lang="en-US" dirty="0"/>
+              <a:t>Appending/truncating data is possible</a:t>
             </a:r>
           </a:p>
         </p:txBody>
       </p:sp>
       <p:sp>
         <p:nvSpPr>
-          <p:cNvPr id="3" name="Content Placeholder 2"/>
+          <p:cNvPr id="2" name="Title 1"/>
           <p:cNvSpPr>
             <a:spLocks noGrp="1"/>
           </p:cNvSpPr>
           <p:nvPr>
-            <p:ph idx="1"/>
+            <p:ph type="title"/>
           </p:nvPr>
         </p:nvSpPr>
         <p:spPr/>
@@ -13297,49 +13130,7 @@
           <a:p>
             <a:r>
               <a:rPr lang="en-US" dirty="0"/>
-              <a:t>HDFS is used either directly or indirectly by many Big Data and NoSQL applications including:</a:t>
-            </a:r>
-          </a:p>
-          <a:p>
-            <a:pPr lvl="1"/>
-            <a:r>
-              <a:rPr lang="en-US" dirty="0"/>
-              <a:t>Hadoop</a:t>
-            </a:r>
-          </a:p>
-          <a:p>
-            <a:pPr lvl="1"/>
-            <a:r>
-              <a:rPr lang="en-US" dirty="0"/>
-              <a:t>Spark</a:t>
-            </a:r>
-          </a:p>
-          <a:p>
-            <a:pPr lvl="1"/>
-            <a:r>
-              <a:rPr lang="en-US" dirty="0"/>
-              <a:t>HBase</a:t>
-            </a:r>
-          </a:p>
-          <a:p>
-            <a:pPr lvl="1"/>
-            <a:r>
-              <a:rPr lang="en-US" dirty="0"/>
-              <a:t>Pig</a:t>
-            </a:r>
-          </a:p>
-          <a:p>
-            <a:pPr lvl="1"/>
-            <a:r>
-              <a:rPr lang="en-US" dirty="0"/>
-              <a:t>Hive</a:t>
-            </a:r>
-          </a:p>
-          <a:p>
-            <a:pPr lvl="1"/>
-            <a:r>
-              <a:rPr lang="en-US" dirty="0"/>
-              <a:t>Others</a:t>
+              <a:t>About HDFS—I</a:t>
             </a:r>
           </a:p>
         </p:txBody>
@@ -13347,7 +13138,7 @@
     </p:spTree>
     <p:extLst>
       <p:ext uri="{BB962C8B-B14F-4D97-AF65-F5344CB8AC3E}">
-        <p14:creationId xmlns:p14="http://schemas.microsoft.com/office/powerpoint/2010/main" val="4225022146"/>
+        <p14:creationId xmlns:p14="http://schemas.microsoft.com/office/powerpoint/2010/main" val="761700169"/>
       </p:ext>
     </p:extLst>
   </p:cSld>
@@ -13389,14 +13180,9 @@
           <a:bodyPr/>
           <a:lstStyle/>
           <a:p>
-            <a:pPr>
-              <a:defRPr/>
-            </a:pPr>
-            <a:r>
-              <a:rPr lang="en-US" dirty="0">
-                <a:ea typeface="ＭＳ Ｐゴシック" charset="0"/>
-              </a:rPr>
-              <a:t>Core HDFS Services</a:t>
+            <a:r>
+              <a:rPr lang="en-US" dirty="0"/>
+              <a:t>About HDFS—II</a:t>
             </a:r>
           </a:p>
         </p:txBody>
@@ -13416,165 +13202,59 @@
           <a:bodyPr/>
           <a:lstStyle/>
           <a:p>
-            <a:pPr>
-              <a:defRPr/>
-            </a:pPr>
-            <a:r>
-              <a:rPr lang="en-US" dirty="0"/>
-              <a:t>HDFS is implemented as several services which are usually deployed on a cluster of machines</a:t>
-            </a:r>
-          </a:p>
-          <a:p>
-            <a:pPr lvl="1">
-              <a:defRPr/>
-            </a:pPr>
-            <a:r>
-              <a:rPr lang="en-US" dirty="0"/>
-              <a:t>Referred to as an HDFS cluster</a:t>
-            </a:r>
-          </a:p>
-          <a:p>
-            <a:pPr lvl="1">
-              <a:defRPr/>
-            </a:pPr>
-            <a:r>
-              <a:rPr lang="en-US" dirty="0"/>
-              <a:t>Arranged in a controller/worker architecture</a:t>
-            </a:r>
-          </a:p>
-          <a:p>
-            <a:pPr>
-              <a:defRPr/>
-            </a:pPr>
-            <a:r>
-              <a:rPr lang="en-US" dirty="0"/>
-              <a:t>Core HDFS services include:</a:t>
-            </a:r>
-          </a:p>
-          <a:p>
-            <a:pPr lvl="1">
-              <a:defRPr/>
-            </a:pPr>
-            <a:r>
-              <a:rPr lang="en-US" b="1" dirty="0" err="1"/>
-              <a:t>NameNode</a:t>
-            </a:r>
-            <a:r>
-              <a:rPr lang="en-US" dirty="0"/>
-              <a:t> (controller) stores file system metadata</a:t>
-            </a:r>
-          </a:p>
-          <a:p>
-            <a:pPr lvl="1">
-              <a:defRPr/>
-            </a:pPr>
-            <a:r>
-              <a:rPr lang="en-US" b="1" dirty="0" err="1"/>
-              <a:t>DataNode</a:t>
-            </a:r>
-            <a:r>
-              <a:rPr lang="en-US" dirty="0"/>
-              <a:t> (worker) stores file data (data blocks)</a:t>
-            </a:r>
-          </a:p>
-          <a:p>
-            <a:pPr>
-              <a:defRPr/>
-            </a:pPr>
-            <a:r>
-              <a:rPr lang="en-US" dirty="0"/>
-              <a:t>The NameNode is the master server </a:t>
-            </a:r>
-          </a:p>
-          <a:p>
-            <a:pPr lvl="1">
-              <a:defRPr/>
-            </a:pPr>
-            <a:r>
-              <a:rPr lang="en-US" dirty="0"/>
-              <a:t>Implements a POSIX-like hierarchical file system with ‘</a:t>
-            </a:r>
-            <a:r>
-              <a:rPr lang="en-US" dirty="0">
-                <a:latin typeface="Courier New" panose="02070309020205020404" pitchFamily="49" charset="0"/>
-                <a:cs typeface="Courier New" panose="02070309020205020404" pitchFamily="49" charset="0"/>
-              </a:rPr>
-              <a:t>/</a:t>
-            </a:r>
-            <a:r>
-              <a:rPr lang="en-US" dirty="0"/>
-              <a:t>’ as the root directory</a:t>
-            </a:r>
-          </a:p>
-          <a:p>
-            <a:pPr lvl="1">
-              <a:defRPr/>
-            </a:pPr>
-            <a:r>
-              <a:rPr lang="en-US" dirty="0"/>
-              <a:t>Enforces read/write permissions on files and directories</a:t>
-            </a:r>
-          </a:p>
-          <a:p>
-            <a:pPr lvl="1">
-              <a:defRPr/>
-            </a:pPr>
-            <a:r>
-              <a:rPr lang="en-US" dirty="0"/>
-              <a:t>Tracks the location of the data blocks for each file</a:t>
-            </a:r>
-          </a:p>
-          <a:p>
-            <a:pPr>
-              <a:defRPr/>
-            </a:pPr>
-            <a:r>
-              <a:rPr lang="en-US" dirty="0"/>
-              <a:t>The DataNode is the slave server</a:t>
-            </a:r>
-          </a:p>
-          <a:p>
-            <a:pPr lvl="1">
-              <a:defRPr/>
-            </a:pPr>
-            <a:r>
-              <a:rPr lang="en-US" dirty="0"/>
-              <a:t>Handles read and write requests from HDFS clients</a:t>
-            </a:r>
-          </a:p>
-          <a:p>
-            <a:pPr lvl="1">
-              <a:defRPr/>
-            </a:pPr>
-            <a:r>
-              <a:rPr lang="en-US" dirty="0"/>
-              <a:t>Performs block creation, deletion, and replication as instructed by the NameNode</a:t>
-            </a:r>
-          </a:p>
-          <a:p>
-            <a:pPr lvl="1">
-              <a:defRPr/>
-            </a:pPr>
-            <a:endParaRPr lang="en-US" dirty="0"/>
-          </a:p>
-          <a:p>
-            <a:pPr lvl="1">
-              <a:defRPr/>
-            </a:pPr>
-            <a:endParaRPr lang="en-US" dirty="0"/>
-          </a:p>
-          <a:p>
-            <a:pPr lvl="1">
-              <a:defRPr/>
-            </a:pPr>
-            <a:endParaRPr lang="en-US" dirty="0"/>
+            <a:r>
+              <a:rPr lang="en-US" dirty="0"/>
+              <a:t>HDFS is used either directly or indirectly by many Big Data and NoSQL applications including:</a:t>
+            </a:r>
+          </a:p>
+          <a:p>
+            <a:pPr lvl="1"/>
+            <a:r>
+              <a:rPr lang="en-US" dirty="0"/>
+              <a:t>Hadoop</a:t>
+            </a:r>
+          </a:p>
+          <a:p>
+            <a:pPr lvl="1"/>
+            <a:r>
+              <a:rPr lang="en-US" dirty="0"/>
+              <a:t>Spark</a:t>
+            </a:r>
+          </a:p>
+          <a:p>
+            <a:pPr lvl="1"/>
+            <a:r>
+              <a:rPr lang="en-US" dirty="0"/>
+              <a:t>HBase</a:t>
+            </a:r>
+          </a:p>
+          <a:p>
+            <a:pPr lvl="1"/>
+            <a:r>
+              <a:rPr lang="en-US" dirty="0"/>
+              <a:t>Pig</a:t>
+            </a:r>
+          </a:p>
+          <a:p>
+            <a:pPr lvl="1"/>
+            <a:r>
+              <a:rPr lang="en-US" dirty="0"/>
+              <a:t>Hive</a:t>
+            </a:r>
+          </a:p>
+          <a:p>
+            <a:pPr lvl="1"/>
+            <a:r>
+              <a:rPr lang="en-US" dirty="0"/>
+              <a:t>Others</a:t>
+            </a:r>
           </a:p>
         </p:txBody>
       </p:sp>
     </p:spTree>
     <p:extLst>
       <p:ext uri="{BB962C8B-B14F-4D97-AF65-F5344CB8AC3E}">
-        <p14:creationId xmlns:p14="http://schemas.microsoft.com/office/powerpoint/2010/main" val="2626919955"/>
+        <p14:creationId xmlns:p14="http://schemas.microsoft.com/office/powerpoint/2010/main" val="4225022146"/>
       </p:ext>
     </p:extLst>
   </p:cSld>
@@ -13603,261 +13283,205 @@
       </p:grpSpPr>
       <p:sp>
         <p:nvSpPr>
-          <p:cNvPr id="3" name="Content Placeholder 2"/>
+          <p:cNvPr id="2" name="Title 1"/>
           <p:cNvSpPr>
             <a:spLocks noGrp="1"/>
           </p:cNvSpPr>
           <p:nvPr>
-            <p:ph idx="1"/>
-          </p:nvPr>
-        </p:nvSpPr>
-        <p:spPr>
-          <a:xfrm>
-            <a:off x="256674" y="1155614"/>
-            <a:ext cx="8651799" cy="5072616"/>
-          </a:xfrm>
-        </p:spPr>
+            <p:ph type="title"/>
+          </p:nvPr>
+        </p:nvSpPr>
+        <p:spPr/>
         <p:txBody>
           <a:bodyPr/>
           <a:lstStyle/>
           <a:p>
-            <a:r>
-              <a:rPr lang="en-US" dirty="0"/>
-              <a:t>For this class we need </a:t>
-            </a:r>
-            <a:r>
-              <a:rPr lang="en-US" dirty="0" err="1"/>
-              <a:t>symlink</a:t>
-            </a:r>
-            <a:r>
-              <a:rPr lang="en-US" dirty="0"/>
-              <a:t> to point to the class folder </a:t>
-            </a:r>
-          </a:p>
-          <a:p>
-            <a:pPr lvl="1"/>
+            <a:pPr>
+              <a:defRPr/>
+            </a:pPr>
+            <a:r>
+              <a:rPr lang="en-US" dirty="0">
+                <a:ea typeface="ＭＳ Ｐゴシック" charset="0"/>
+              </a:rPr>
+              <a:t>Core HDFS Services</a:t>
+            </a:r>
+          </a:p>
+        </p:txBody>
+      </p:sp>
+      <p:sp>
+        <p:nvSpPr>
+          <p:cNvPr id="3" name="Content Placeholder 2"/>
+          <p:cNvSpPr>
+            <a:spLocks noGrp="1"/>
+          </p:cNvSpPr>
+          <p:nvPr>
+            <p:ph idx="1"/>
+          </p:nvPr>
+        </p:nvSpPr>
+        <p:spPr/>
+        <p:txBody>
+          <a:bodyPr/>
+          <a:lstStyle/>
+          <a:p>
+            <a:pPr>
+              <a:defRPr/>
+            </a:pPr>
+            <a:r>
+              <a:rPr lang="en-US" dirty="0"/>
+              <a:t>HDFS is implemented as several services which are usually deployed on a cluster of machines</a:t>
+            </a:r>
+          </a:p>
+          <a:p>
+            <a:pPr lvl="1">
+              <a:defRPr/>
+            </a:pPr>
+            <a:r>
+              <a:rPr lang="en-US" dirty="0"/>
+              <a:t>Referred to as an HDFS cluster</a:t>
+            </a:r>
+          </a:p>
+          <a:p>
+            <a:pPr lvl="1">
+              <a:defRPr/>
+            </a:pPr>
+            <a:r>
+              <a:rPr lang="en-US" dirty="0"/>
+              <a:t>Arranged in a controller/worker architecture</a:t>
+            </a:r>
+          </a:p>
+          <a:p>
+            <a:pPr>
+              <a:defRPr/>
+            </a:pPr>
+            <a:r>
+              <a:rPr lang="en-US" dirty="0"/>
+              <a:t>Core HDFS services include:</a:t>
+            </a:r>
+          </a:p>
+          <a:p>
+            <a:pPr lvl="1">
+              <a:defRPr/>
+            </a:pPr>
+            <a:r>
+              <a:rPr lang="en-US" b="1" dirty="0" err="1"/>
+              <a:t>NameNode</a:t>
+            </a:r>
+            <a:r>
+              <a:rPr lang="en-US" dirty="0"/>
+              <a:t> (controller) stores file system metadata</a:t>
+            </a:r>
+          </a:p>
+          <a:p>
+            <a:pPr lvl="1">
+              <a:defRPr/>
+            </a:pPr>
+            <a:r>
+              <a:rPr lang="en-US" b="1" dirty="0" err="1"/>
+              <a:t>DataNode</a:t>
+            </a:r>
+            <a:r>
+              <a:rPr lang="en-US" dirty="0"/>
+              <a:t> (worker) stores file data (data blocks)</a:t>
+            </a:r>
+          </a:p>
+          <a:p>
+            <a:pPr>
+              <a:defRPr/>
+            </a:pPr>
+            <a:r>
+              <a:rPr lang="en-US" dirty="0"/>
+              <a:t>The NameNode is the master server </a:t>
+            </a:r>
+          </a:p>
+          <a:p>
+            <a:pPr lvl="1">
+              <a:defRPr/>
+            </a:pPr>
+            <a:r>
+              <a:rPr lang="en-US" dirty="0"/>
+              <a:t>Implements a POSIX-like hierarchical file system with ‘</a:t>
+            </a:r>
             <a:r>
               <a:rPr lang="en-US" dirty="0">
                 <a:latin typeface="Courier New" panose="02070309020205020404" pitchFamily="49" charset="0"/>
                 <a:cs typeface="Courier New" panose="02070309020205020404" pitchFamily="49" charset="0"/>
               </a:rPr>
-              <a:t>ln –s /home/student/ROI/</a:t>
-            </a:r>
-            <a:r>
-              <a:rPr lang="en-US" dirty="0" err="1">
-                <a:latin typeface="Courier New" panose="02070309020205020404" pitchFamily="49" charset="0"/>
-                <a:cs typeface="Courier New" panose="02070309020205020404" pitchFamily="49" charset="0"/>
-              </a:rPr>
-              <a:t>SparkforDataEngineers</a:t>
-            </a:r>
-            <a:r>
-              <a:rPr lang="en-US" dirty="0">
-                <a:latin typeface="Courier New" panose="02070309020205020404" pitchFamily="49" charset="0"/>
-                <a:cs typeface="Courier New" panose="02070309020205020404" pitchFamily="49" charset="0"/>
-              </a:rPr>
-              <a:t> ~/ROI/Spark</a:t>
-            </a:r>
-            <a:endParaRPr lang="en-US" dirty="0"/>
-          </a:p>
-          <a:p>
-            <a:r>
-              <a:rPr lang="en-US" dirty="0"/>
-              <a:t>To start Hadoop on the VM</a:t>
-            </a:r>
-          </a:p>
-          <a:p>
-            <a:pPr lvl="1"/>
-            <a:r>
-              <a:rPr lang="en-US" dirty="0"/>
-              <a:t>Open a terminal window and type the following commands:</a:t>
-            </a:r>
-          </a:p>
-          <a:p>
-            <a:pPr marL="457200" lvl="2" indent="0">
-              <a:buNone/>
+              <a:t>/</a:t>
+            </a:r>
+            <a:r>
+              <a:rPr lang="en-US" dirty="0"/>
+              <a:t>’ as the root directory</a:t>
+            </a:r>
+          </a:p>
+          <a:p>
+            <a:pPr lvl="1">
+              <a:defRPr/>
             </a:pPr>
             <a:r>
-              <a:rPr lang="en-US" dirty="0" err="1">
-                <a:latin typeface="Courier New" panose="02070309020205020404" pitchFamily="49" charset="0"/>
-                <a:cs typeface="Courier New" panose="02070309020205020404" pitchFamily="49" charset="0"/>
-              </a:rPr>
-              <a:t>sudo</a:t>
-            </a:r>
-            <a:r>
-              <a:rPr lang="en-US" dirty="0">
-                <a:latin typeface="Courier New" panose="02070309020205020404" pitchFamily="49" charset="0"/>
-                <a:cs typeface="Courier New" panose="02070309020205020404" pitchFamily="49" charset="0"/>
-              </a:rPr>
-              <a:t> bash </a:t>
-            </a:r>
-          </a:p>
-          <a:p>
-            <a:pPr marL="457200" lvl="2" indent="0">
-              <a:buNone/>
+              <a:rPr lang="en-US" dirty="0"/>
+              <a:t>Enforces read/write permissions on files and directories</a:t>
+            </a:r>
+          </a:p>
+          <a:p>
+            <a:pPr lvl="1">
+              <a:defRPr/>
             </a:pPr>
             <a:r>
-              <a:rPr lang="en-US" dirty="0">
-                <a:latin typeface="Courier New" panose="02070309020205020404" pitchFamily="49" charset="0"/>
-                <a:cs typeface="Courier New" panose="02070309020205020404" pitchFamily="49" charset="0"/>
-              </a:rPr>
-              <a:t>start-</a:t>
-            </a:r>
-            <a:r>
-              <a:rPr lang="en-US" dirty="0" err="1">
-                <a:latin typeface="Courier New" panose="02070309020205020404" pitchFamily="49" charset="0"/>
-                <a:cs typeface="Courier New" panose="02070309020205020404" pitchFamily="49" charset="0"/>
-              </a:rPr>
-              <a:t>hadoop</a:t>
-            </a:r>
-            <a:endParaRPr lang="en-US" dirty="0">
-              <a:latin typeface="Courier New" panose="02070309020205020404" pitchFamily="49" charset="0"/>
-              <a:cs typeface="Courier New" panose="02070309020205020404" pitchFamily="49" charset="0"/>
-            </a:endParaRPr>
-          </a:p>
-          <a:p>
-            <a:pPr marL="457200" lvl="2" indent="0">
-              <a:buNone/>
+              <a:rPr lang="en-US" dirty="0"/>
+              <a:t>Tracks the location of the data blocks for each file</a:t>
+            </a:r>
+          </a:p>
+          <a:p>
+            <a:pPr>
+              <a:defRPr/>
             </a:pPr>
             <a:r>
-              <a:rPr lang="en-US" dirty="0" err="1">
-                <a:latin typeface="Courier New" panose="02070309020205020404" pitchFamily="49" charset="0"/>
-                <a:cs typeface="Courier New" panose="02070309020205020404" pitchFamily="49" charset="0"/>
-              </a:rPr>
-              <a:t>jps</a:t>
-            </a:r>
-            <a:endParaRPr lang="en-US" dirty="0">
-              <a:latin typeface="Courier New" panose="02070309020205020404" pitchFamily="49" charset="0"/>
-              <a:cs typeface="Courier New" panose="02070309020205020404" pitchFamily="49" charset="0"/>
-            </a:endParaRPr>
-          </a:p>
-          <a:p>
-            <a:pPr marL="457200" lvl="2" indent="0">
-              <a:buNone/>
+              <a:rPr lang="en-US" dirty="0"/>
+              <a:t>The DataNode is the slave server</a:t>
+            </a:r>
+          </a:p>
+          <a:p>
+            <a:pPr lvl="1">
+              <a:defRPr/>
             </a:pPr>
             <a:r>
-              <a:rPr lang="en-US" dirty="0">
-                <a:latin typeface="Courier New" panose="02070309020205020404" pitchFamily="49" charset="0"/>
-                <a:cs typeface="Courier New" panose="02070309020205020404" pitchFamily="49" charset="0"/>
-              </a:rPr>
-              <a:t>exit</a:t>
-            </a:r>
-          </a:p>
-          <a:p>
-            <a:pPr lvl="2"/>
-            <a:endParaRPr lang="en-US" dirty="0"/>
-          </a:p>
-          <a:p>
-            <a:r>
-              <a:rPr lang="en-US" dirty="0"/>
-              <a:t>From a command line, enter the following commands:</a:t>
-            </a:r>
-          </a:p>
-          <a:p>
-            <a:pPr marL="461963" lvl="1" indent="0">
-              <a:buNone/>
+              <a:rPr lang="en-US" dirty="0"/>
+              <a:t>Handles read and write requests from HDFS clients</a:t>
+            </a:r>
+          </a:p>
+          <a:p>
+            <a:pPr lvl="1">
+              <a:defRPr/>
             </a:pPr>
             <a:r>
-              <a:rPr lang="en-US" sz="1600" dirty="0">
-                <a:latin typeface="Courier New" panose="02070309020205020404" pitchFamily="49" charset="0"/>
-                <a:cs typeface="Courier New" panose="02070309020205020404" pitchFamily="49" charset="0"/>
-              </a:rPr>
-              <a:t>hdfs</a:t>
-            </a:r>
-          </a:p>
-          <a:p>
-            <a:pPr marL="461963" lvl="1" indent="0">
-              <a:buNone/>
-            </a:pPr>
-            <a:r>
-              <a:rPr lang="en-US" sz="1600" dirty="0">
-                <a:latin typeface="Courier New" panose="02070309020205020404" pitchFamily="49" charset="0"/>
-                <a:cs typeface="Courier New" panose="02070309020205020404" pitchFamily="49" charset="0"/>
-              </a:rPr>
-              <a:t>hdfs dfs</a:t>
-            </a:r>
-          </a:p>
-          <a:p>
-            <a:pPr marL="461963" lvl="1" indent="0">
-              <a:buNone/>
-            </a:pPr>
-            <a:r>
-              <a:rPr lang="en-US" sz="1600" dirty="0">
-                <a:latin typeface="Courier New" panose="02070309020205020404" pitchFamily="49" charset="0"/>
-                <a:cs typeface="Courier New" panose="02070309020205020404" pitchFamily="49" charset="0"/>
-              </a:rPr>
-              <a:t>hdfs dfs –ls /</a:t>
-            </a:r>
-          </a:p>
-          <a:p>
-            <a:pPr marL="461963" lvl="1" indent="0">
-              <a:buNone/>
-            </a:pPr>
-            <a:r>
-              <a:rPr lang="en-US" sz="1600" dirty="0">
-                <a:latin typeface="Courier New" panose="02070309020205020404" pitchFamily="49" charset="0"/>
-                <a:cs typeface="Courier New" panose="02070309020205020404" pitchFamily="49" charset="0"/>
-              </a:rPr>
-              <a:t>hdfs dfs –put ~/ROI/Spark/datasets/northwind/CSV/categories /</a:t>
-            </a:r>
-          </a:p>
-          <a:p>
-            <a:pPr marL="461963" lvl="1" indent="0">
-              <a:buNone/>
-            </a:pPr>
-            <a:r>
-              <a:rPr lang="en-US" sz="1600" dirty="0">
-                <a:latin typeface="Courier New" panose="02070309020205020404" pitchFamily="49" charset="0"/>
-                <a:cs typeface="Courier New" panose="02070309020205020404" pitchFamily="49" charset="0"/>
-              </a:rPr>
-              <a:t>hdfs dfs –ls /</a:t>
-            </a:r>
-          </a:p>
-          <a:p>
-            <a:pPr marL="457200" lvl="2" indent="0">
-              <a:buNone/>
+              <a:rPr lang="en-US" dirty="0"/>
+              <a:t>Performs block creation, deletion, and replication as instructed by the NameNode</a:t>
+            </a:r>
+          </a:p>
+          <a:p>
+            <a:pPr lvl="1">
+              <a:defRPr/>
             </a:pPr>
             <a:endParaRPr lang="en-US" dirty="0"/>
           </a:p>
           <a:p>
-            <a:pPr marL="457200" lvl="2" indent="0">
-              <a:buNone/>
+            <a:pPr lvl="1">
+              <a:defRPr/>
             </a:pPr>
             <a:endParaRPr lang="en-US" dirty="0"/>
           </a:p>
           <a:p>
-            <a:pPr marL="511175" lvl="3" indent="0">
-              <a:buNone/>
+            <a:pPr lvl="1">
+              <a:defRPr/>
             </a:pPr>
             <a:endParaRPr lang="en-US" dirty="0"/>
-          </a:p>
-        </p:txBody>
-      </p:sp>
-      <p:sp>
-        <p:nvSpPr>
-          <p:cNvPr id="2" name="Title 1"/>
-          <p:cNvSpPr>
-            <a:spLocks noGrp="1"/>
-          </p:cNvSpPr>
-          <p:nvPr>
-            <p:ph type="title"/>
-          </p:nvPr>
-        </p:nvSpPr>
-        <p:spPr/>
-        <p:txBody>
-          <a:bodyPr/>
-          <a:lstStyle/>
-          <a:p>
-            <a:r>
-              <a:rPr lang="en-US" dirty="0"/>
-              <a:t>Start Hadoop</a:t>
-            </a:r>
           </a:p>
         </p:txBody>
       </p:sp>
     </p:spTree>
     <p:extLst>
       <p:ext uri="{BB962C8B-B14F-4D97-AF65-F5344CB8AC3E}">
-        <p14:creationId xmlns:p14="http://schemas.microsoft.com/office/powerpoint/2010/main" val="656261295"/>
+        <p14:creationId xmlns:p14="http://schemas.microsoft.com/office/powerpoint/2010/main" val="2626919955"/>
       </p:ext>
     </p:extLst>
   </p:cSld>
@@ -13894,6 +13518,239 @@
             <p:ph idx="1"/>
           </p:nvPr>
         </p:nvSpPr>
+        <p:spPr>
+          <a:xfrm>
+            <a:off x="256674" y="1155614"/>
+            <a:ext cx="8651799" cy="5072616"/>
+          </a:xfrm>
+        </p:spPr>
+        <p:txBody>
+          <a:bodyPr/>
+          <a:lstStyle/>
+          <a:p>
+            <a:r>
+              <a:rPr lang="en-US" dirty="0"/>
+              <a:t>For this class we need </a:t>
+            </a:r>
+            <a:r>
+              <a:rPr lang="en-US" dirty="0" err="1"/>
+              <a:t>symlink</a:t>
+            </a:r>
+            <a:r>
+              <a:rPr lang="en-US" dirty="0"/>
+              <a:t> to point to the class folder </a:t>
+            </a:r>
+          </a:p>
+          <a:p>
+            <a:pPr lvl="1"/>
+            <a:r>
+              <a:rPr lang="en-US" dirty="0">
+                <a:latin typeface="Courier New" panose="02070309020205020404" pitchFamily="49" charset="0"/>
+                <a:cs typeface="Courier New" panose="02070309020205020404" pitchFamily="49" charset="0"/>
+              </a:rPr>
+              <a:t>ln –s /home/student/ROI/</a:t>
+            </a:r>
+            <a:r>
+              <a:rPr lang="en-US" dirty="0" err="1">
+                <a:latin typeface="Courier New" panose="02070309020205020404" pitchFamily="49" charset="0"/>
+                <a:cs typeface="Courier New" panose="02070309020205020404" pitchFamily="49" charset="0"/>
+              </a:rPr>
+              <a:t>SparkforDataEngineers</a:t>
+            </a:r>
+            <a:r>
+              <a:rPr lang="en-US" dirty="0">
+                <a:latin typeface="Courier New" panose="02070309020205020404" pitchFamily="49" charset="0"/>
+                <a:cs typeface="Courier New" panose="02070309020205020404" pitchFamily="49" charset="0"/>
+              </a:rPr>
+              <a:t> ~/ROI/Spark</a:t>
+            </a:r>
+            <a:endParaRPr lang="en-US" dirty="0"/>
+          </a:p>
+          <a:p>
+            <a:r>
+              <a:rPr lang="en-US" dirty="0"/>
+              <a:t>To start Hadoop on the VM</a:t>
+            </a:r>
+          </a:p>
+          <a:p>
+            <a:pPr lvl="1"/>
+            <a:r>
+              <a:rPr lang="en-US" dirty="0"/>
+              <a:t>Open a terminal window and type the following commands:</a:t>
+            </a:r>
+          </a:p>
+          <a:p>
+            <a:pPr marL="457200" lvl="2" indent="0">
+              <a:buNone/>
+            </a:pPr>
+            <a:r>
+              <a:rPr lang="en-US" dirty="0" err="1">
+                <a:latin typeface="Courier New" panose="02070309020205020404" pitchFamily="49" charset="0"/>
+                <a:cs typeface="Courier New" panose="02070309020205020404" pitchFamily="49" charset="0"/>
+              </a:rPr>
+              <a:t>sudo</a:t>
+            </a:r>
+            <a:r>
+              <a:rPr lang="en-US" dirty="0">
+                <a:latin typeface="Courier New" panose="02070309020205020404" pitchFamily="49" charset="0"/>
+                <a:cs typeface="Courier New" panose="02070309020205020404" pitchFamily="49" charset="0"/>
+              </a:rPr>
+              <a:t> bash </a:t>
+            </a:r>
+          </a:p>
+          <a:p>
+            <a:pPr marL="457200" lvl="2" indent="0">
+              <a:buNone/>
+            </a:pPr>
+            <a:r>
+              <a:rPr lang="en-US" dirty="0">
+                <a:latin typeface="Courier New" panose="02070309020205020404" pitchFamily="49" charset="0"/>
+                <a:cs typeface="Courier New" panose="02070309020205020404" pitchFamily="49" charset="0"/>
+              </a:rPr>
+              <a:t>start-</a:t>
+            </a:r>
+            <a:r>
+              <a:rPr lang="en-US" dirty="0" err="1">
+                <a:latin typeface="Courier New" panose="02070309020205020404" pitchFamily="49" charset="0"/>
+                <a:cs typeface="Courier New" panose="02070309020205020404" pitchFamily="49" charset="0"/>
+              </a:rPr>
+              <a:t>hadoop</a:t>
+            </a:r>
+            <a:endParaRPr lang="en-US" dirty="0">
+              <a:latin typeface="Courier New" panose="02070309020205020404" pitchFamily="49" charset="0"/>
+              <a:cs typeface="Courier New" panose="02070309020205020404" pitchFamily="49" charset="0"/>
+            </a:endParaRPr>
+          </a:p>
+          <a:p>
+            <a:pPr marL="457200" lvl="2" indent="0">
+              <a:buNone/>
+            </a:pPr>
+            <a:r>
+              <a:rPr lang="en-US" dirty="0" err="1">
+                <a:latin typeface="Courier New" panose="02070309020205020404" pitchFamily="49" charset="0"/>
+                <a:cs typeface="Courier New" panose="02070309020205020404" pitchFamily="49" charset="0"/>
+              </a:rPr>
+              <a:t>jps</a:t>
+            </a:r>
+            <a:endParaRPr lang="en-US" dirty="0">
+              <a:latin typeface="Courier New" panose="02070309020205020404" pitchFamily="49" charset="0"/>
+              <a:cs typeface="Courier New" panose="02070309020205020404" pitchFamily="49" charset="0"/>
+            </a:endParaRPr>
+          </a:p>
+          <a:p>
+            <a:pPr marL="457200" lvl="2" indent="0">
+              <a:buNone/>
+            </a:pPr>
+            <a:r>
+              <a:rPr lang="en-US" dirty="0">
+                <a:latin typeface="Courier New" panose="02070309020205020404" pitchFamily="49" charset="0"/>
+                <a:cs typeface="Courier New" panose="02070309020205020404" pitchFamily="49" charset="0"/>
+              </a:rPr>
+              <a:t>exit</a:t>
+            </a:r>
+          </a:p>
+          <a:p>
+            <a:pPr marL="457200" lvl="2" indent="0">
+              <a:buNone/>
+            </a:pPr>
+            <a:endParaRPr lang="en-US" dirty="0"/>
+          </a:p>
+          <a:p>
+            <a:r>
+              <a:rPr lang="en-US" dirty="0"/>
+              <a:t>From a command line, enter the following commands:</a:t>
+            </a:r>
+          </a:p>
+          <a:p>
+            <a:pPr marL="461963" lvl="1" indent="0">
+              <a:buNone/>
+            </a:pPr>
+            <a:r>
+              <a:rPr lang="en-US" sz="1600" dirty="0">
+                <a:latin typeface="Courier New" panose="02070309020205020404" pitchFamily="49" charset="0"/>
+                <a:cs typeface="Courier New" panose="02070309020205020404" pitchFamily="49" charset="0"/>
+              </a:rPr>
+              <a:t>hdfs</a:t>
+            </a:r>
+          </a:p>
+          <a:p>
+            <a:pPr marL="461963" lvl="1" indent="0">
+              <a:buNone/>
+            </a:pPr>
+            <a:r>
+              <a:rPr lang="en-US" sz="1600" dirty="0">
+                <a:latin typeface="Courier New" panose="02070309020205020404" pitchFamily="49" charset="0"/>
+                <a:cs typeface="Courier New" panose="02070309020205020404" pitchFamily="49" charset="0"/>
+              </a:rPr>
+              <a:t>hdfs dfs</a:t>
+            </a:r>
+          </a:p>
+          <a:p>
+            <a:pPr marL="461963" lvl="1" indent="0">
+              <a:buNone/>
+            </a:pPr>
+            <a:r>
+              <a:rPr lang="en-US" sz="1600" dirty="0">
+                <a:latin typeface="Courier New" panose="02070309020205020404" pitchFamily="49" charset="0"/>
+                <a:cs typeface="Courier New" panose="02070309020205020404" pitchFamily="49" charset="0"/>
+              </a:rPr>
+              <a:t>hdfs dfs –ls /</a:t>
+            </a:r>
+          </a:p>
+          <a:p>
+            <a:pPr marL="461963" lvl="1" indent="0">
+              <a:buNone/>
+            </a:pPr>
+            <a:r>
+              <a:rPr lang="en-US" sz="1600" dirty="0">
+                <a:latin typeface="Courier New" panose="02070309020205020404" pitchFamily="49" charset="0"/>
+                <a:cs typeface="Courier New" panose="02070309020205020404" pitchFamily="49" charset="0"/>
+              </a:rPr>
+              <a:t>hdfs dfs –put ~/ROI/Spark/datasets/northwind/CSV/categories /</a:t>
+            </a:r>
+          </a:p>
+          <a:p>
+            <a:pPr marL="461963" lvl="1" indent="0">
+              <a:buNone/>
+            </a:pPr>
+            <a:r>
+              <a:rPr lang="en-US" sz="1600" dirty="0">
+                <a:latin typeface="Courier New" panose="02070309020205020404" pitchFamily="49" charset="0"/>
+                <a:cs typeface="Courier New" panose="02070309020205020404" pitchFamily="49" charset="0"/>
+              </a:rPr>
+              <a:t>hdfs dfs –ls /</a:t>
+            </a:r>
+          </a:p>
+          <a:p>
+            <a:pPr marL="457200" lvl="2" indent="0">
+              <a:buNone/>
+            </a:pPr>
+            <a:endParaRPr lang="en-US" dirty="0"/>
+          </a:p>
+          <a:p>
+            <a:pPr marL="457200" lvl="2" indent="0">
+              <a:buNone/>
+            </a:pPr>
+            <a:endParaRPr lang="en-US" dirty="0"/>
+          </a:p>
+          <a:p>
+            <a:pPr marL="511175" lvl="3" indent="0">
+              <a:buNone/>
+            </a:pPr>
+            <a:endParaRPr lang="en-US" dirty="0"/>
+          </a:p>
+        </p:txBody>
+      </p:sp>
+      <p:sp>
+        <p:nvSpPr>
+          <p:cNvPr id="2" name="Title 1"/>
+          <p:cNvSpPr>
+            <a:spLocks noGrp="1"/>
+          </p:cNvSpPr>
+          <p:nvPr>
+            <p:ph type="title"/>
+          </p:nvPr>
+        </p:nvSpPr>
         <p:spPr/>
         <p:txBody>
           <a:bodyPr/>
@@ -13901,107 +13758,15 @@
           <a:p>
             <a:r>
               <a:rPr lang="en-US" dirty="0"/>
-              <a:t>To start </a:t>
-            </a:r>
-            <a:r>
-              <a:rPr lang="en-US" dirty="0" err="1"/>
-              <a:t>Jupyter</a:t>
-            </a:r>
-            <a:r>
-              <a:rPr lang="en-US" dirty="0"/>
-              <a:t> with the latest lesson on the VM</a:t>
-            </a:r>
-          </a:p>
-          <a:p>
-            <a:pPr marL="457200" lvl="2" indent="0">
-              <a:buNone/>
-            </a:pPr>
-            <a:r>
-              <a:rPr lang="en-US" dirty="0"/>
-              <a:t>Open a terminal window and type the following commands:</a:t>
-            </a:r>
-            <a:br>
-              <a:rPr lang="en-US" dirty="0"/>
-            </a:br>
-            <a:endParaRPr lang="en-US" dirty="0"/>
-          </a:p>
-          <a:p>
-            <a:pPr marL="457200" lvl="2" indent="0">
-              <a:buNone/>
-            </a:pPr>
-            <a:r>
-              <a:rPr lang="en-US" dirty="0">
-                <a:latin typeface="Courier New" panose="02070309020205020404" pitchFamily="49" charset="0"/>
-                <a:cs typeface="Courier New" panose="02070309020205020404" pitchFamily="49" charset="0"/>
-              </a:rPr>
-              <a:t>~/start-notebook</a:t>
-            </a:r>
-          </a:p>
-          <a:p>
-            <a:pPr lvl="1"/>
-            <a:endParaRPr lang="en-US" dirty="0"/>
-          </a:p>
-          <a:p>
-            <a:pPr lvl="1"/>
-            <a:r>
-              <a:rPr lang="en-US" dirty="0"/>
-              <a:t>This will launch the browser so you can navigate to which lesson folder you want to work on</a:t>
-            </a:r>
-          </a:p>
-          <a:p>
-            <a:pPr marL="228600" lvl="1" indent="0">
-              <a:buNone/>
-            </a:pPr>
-            <a:endParaRPr lang="en-US" dirty="0">
-              <a:latin typeface="Courier New" panose="02070309020205020404" pitchFamily="49" charset="0"/>
-              <a:cs typeface="Courier New" panose="02070309020205020404" pitchFamily="49" charset="0"/>
-            </a:endParaRPr>
-          </a:p>
-          <a:p>
-            <a:pPr marL="228600" lvl="1" indent="0">
-              <a:buNone/>
-            </a:pPr>
-            <a:endParaRPr lang="en-US" dirty="0"/>
-          </a:p>
-          <a:p>
-            <a:pPr marL="511175" lvl="3" indent="0">
-              <a:buNone/>
-            </a:pPr>
-            <a:endParaRPr lang="en-US" dirty="0"/>
-          </a:p>
-        </p:txBody>
-      </p:sp>
-      <p:sp>
-        <p:nvSpPr>
-          <p:cNvPr id="2" name="Title 1"/>
-          <p:cNvSpPr>
-            <a:spLocks noGrp="1"/>
-          </p:cNvSpPr>
-          <p:nvPr>
-            <p:ph type="title"/>
-          </p:nvPr>
-        </p:nvSpPr>
-        <p:spPr/>
-        <p:txBody>
-          <a:bodyPr/>
-          <a:lstStyle/>
-          <a:p>
-            <a:r>
-              <a:rPr lang="en-US" dirty="0"/>
-              <a:t>Start </a:t>
-            </a:r>
-            <a:r>
-              <a:rPr lang="en-US" dirty="0" err="1"/>
-              <a:t>Jupyter</a:t>
-            </a:r>
-            <a:endParaRPr lang="en-US" dirty="0"/>
+              <a:t>Start Hadoop</a:t>
+            </a:r>
           </a:p>
         </p:txBody>
       </p:sp>
     </p:spTree>
     <p:extLst>
       <p:ext uri="{BB962C8B-B14F-4D97-AF65-F5344CB8AC3E}">
-        <p14:creationId xmlns:p14="http://schemas.microsoft.com/office/powerpoint/2010/main" val="1302897557"/>
+        <p14:creationId xmlns:p14="http://schemas.microsoft.com/office/powerpoint/2010/main" val="656261295"/>
       </p:ext>
     </p:extLst>
   </p:cSld>
@@ -15551,61 +15316,20 @@
 </file>
 
 <file path=customXml/item1.xml><?xml version="1.0" encoding="utf-8"?>
-<?mso-contentType ?>
-<FormTemplates xmlns="http://schemas.microsoft.com/sharepoint/v3/contenttype/forms">
-  <Display>DocumentLibraryForm</Display>
-  <Edit>DocumentLibraryForm</Edit>
-  <New>DocumentLibraryForm</New>
-</FormTemplates>
+<p:properties xmlns:p="http://schemas.microsoft.com/office/2006/metadata/properties" xmlns:xsi="http://www.w3.org/2001/XMLSchema-instance" xmlns:pc="http://schemas.microsoft.com/office/infopath/2007/PartnerControls">
+  <documentManagement>
+    <_dlc_DocId xmlns="037063e9-a85e-4c78-8627-f1a9315663e5">EVEA5JW6U4JV-6-9770</_dlc_DocId>
+    <_dlc_DocIdUrl xmlns="037063e9-a85e-4c78-8627-f1a9315663e5">
+      <Url>https://portal.roitraining.com/Courses/_layouts/DocIdRedir.aspx?ID=EVEA5JW6U4JV-6-9770</Url>
+      <Description>EVEA5JW6U4JV-6-9770</Description>
+    </_dlc_DocIdUrl>
+    <Date_x0020_last_x0020_used xmlns="027ed24f-5970-4294-be5c-0919c5aaa214" xsi:nil="true"/>
+    <Customization_x0020_Information xmlns="027ed24f-5970-4294-be5c-0919c5aaa214" xsi:nil="true"/>
+  </documentManagement>
+</p:properties>
 </file>
 
 <file path=customXml/item2.xml><?xml version="1.0" encoding="utf-8"?>
-<?mso-contentType ?>
-<spe:Receivers xmlns:spe="http://schemas.microsoft.com/sharepoint/events">
-  <Receiver>
-    <Name>Document ID Generator</Name>
-    <Synchronization>Synchronous</Synchronization>
-    <Type>10001</Type>
-    <SequenceNumber>1000</SequenceNumber>
-    <Assembly>Microsoft.Office.DocumentManagement, Version=14.0.0.0, Culture=neutral, PublicKeyToken=71e9bce111e9429c</Assembly>
-    <Class>Microsoft.Office.DocumentManagement.Internal.DocIdHandler</Class>
-    <Data/>
-    <Filter/>
-  </Receiver>
-  <Receiver>
-    <Name>Document ID Generator</Name>
-    <Synchronization>Synchronous</Synchronization>
-    <Type>10002</Type>
-    <SequenceNumber>1001</SequenceNumber>
-    <Assembly>Microsoft.Office.DocumentManagement, Version=14.0.0.0, Culture=neutral, PublicKeyToken=71e9bce111e9429c</Assembly>
-    <Class>Microsoft.Office.DocumentManagement.Internal.DocIdHandler</Class>
-    <Data/>
-    <Filter/>
-  </Receiver>
-  <Receiver>
-    <Name>Document ID Generator</Name>
-    <Synchronization>Synchronous</Synchronization>
-    <Type>10004</Type>
-    <SequenceNumber>1002</SequenceNumber>
-    <Assembly>Microsoft.Office.DocumentManagement, Version=14.0.0.0, Culture=neutral, PublicKeyToken=71e9bce111e9429c</Assembly>
-    <Class>Microsoft.Office.DocumentManagement.Internal.DocIdHandler</Class>
-    <Data/>
-    <Filter/>
-  </Receiver>
-  <Receiver>
-    <Name>Document ID Generator</Name>
-    <Synchronization>Synchronous</Synchronization>
-    <Type>10006</Type>
-    <SequenceNumber>1003</SequenceNumber>
-    <Assembly>Microsoft.Office.DocumentManagement, Version=14.0.0.0, Culture=neutral, PublicKeyToken=71e9bce111e9429c</Assembly>
-    <Class>Microsoft.Office.DocumentManagement.Internal.DocIdHandler</Class>
-    <Data/>
-    <Filter/>
-  </Receiver>
-</spe:Receivers>
-</file>
-
-<file path=customXml/item3.xml><?xml version="1.0" encoding="utf-8"?>
 <ct:contentTypeSchema xmlns:ct="http://schemas.microsoft.com/office/2006/metadata/contentType" xmlns:ma="http://schemas.microsoft.com/office/2006/metadata/properties/metaAttributes" ct:_="" ma:_="" ma:contentTypeName="Document" ma:contentTypeID="0x0101006B08A054FD435346B287BB258D6D8C2A" ma:contentTypeVersion="2" ma:contentTypeDescription="Create a new document." ma:contentTypeScope="" ma:versionID="6146b90b4382322d8952632f355192b7">
   <xsd:schema xmlns:xsd="http://www.w3.org/2001/XMLSchema" xmlns:xs="http://www.w3.org/2001/XMLSchema" xmlns:p="http://schemas.microsoft.com/office/2006/metadata/properties" xmlns:ns2="027ed24f-5970-4294-be5c-0919c5aaa214" xmlns:ns3="037063e9-a85e-4c78-8627-f1a9315663e5" targetNamespace="http://schemas.microsoft.com/office/2006/metadata/properties" ma:root="true" ma:fieldsID="b5d91f802dafd2e22aeea528efbe2d3e" ns2:_="" ns3:_="">
     <xsd:import namespace="027ed24f-5970-4294-be5c-0919c5aaa214"/>
@@ -15771,37 +15495,73 @@
 </ct:contentTypeSchema>
 </file>
 
+<file path=customXml/item3.xml><?xml version="1.0" encoding="utf-8"?>
+<?mso-contentType ?>
+<spe:Receivers xmlns:spe="http://schemas.microsoft.com/sharepoint/events">
+  <Receiver>
+    <Name>Document ID Generator</Name>
+    <Synchronization>Synchronous</Synchronization>
+    <Type>10001</Type>
+    <SequenceNumber>1000</SequenceNumber>
+    <Assembly>Microsoft.Office.DocumentManagement, Version=14.0.0.0, Culture=neutral, PublicKeyToken=71e9bce111e9429c</Assembly>
+    <Class>Microsoft.Office.DocumentManagement.Internal.DocIdHandler</Class>
+    <Data/>
+    <Filter/>
+  </Receiver>
+  <Receiver>
+    <Name>Document ID Generator</Name>
+    <Synchronization>Synchronous</Synchronization>
+    <Type>10002</Type>
+    <SequenceNumber>1001</SequenceNumber>
+    <Assembly>Microsoft.Office.DocumentManagement, Version=14.0.0.0, Culture=neutral, PublicKeyToken=71e9bce111e9429c</Assembly>
+    <Class>Microsoft.Office.DocumentManagement.Internal.DocIdHandler</Class>
+    <Data/>
+    <Filter/>
+  </Receiver>
+  <Receiver>
+    <Name>Document ID Generator</Name>
+    <Synchronization>Synchronous</Synchronization>
+    <Type>10004</Type>
+    <SequenceNumber>1002</SequenceNumber>
+    <Assembly>Microsoft.Office.DocumentManagement, Version=14.0.0.0, Culture=neutral, PublicKeyToken=71e9bce111e9429c</Assembly>
+    <Class>Microsoft.Office.DocumentManagement.Internal.DocIdHandler</Class>
+    <Data/>
+    <Filter/>
+  </Receiver>
+  <Receiver>
+    <Name>Document ID Generator</Name>
+    <Synchronization>Synchronous</Synchronization>
+    <Type>10006</Type>
+    <SequenceNumber>1003</SequenceNumber>
+    <Assembly>Microsoft.Office.DocumentManagement, Version=14.0.0.0, Culture=neutral, PublicKeyToken=71e9bce111e9429c</Assembly>
+    <Class>Microsoft.Office.DocumentManagement.Internal.DocIdHandler</Class>
+    <Data/>
+    <Filter/>
+  </Receiver>
+</spe:Receivers>
+</file>
+
 <file path=customXml/item4.xml><?xml version="1.0" encoding="utf-8"?>
-<p:properties xmlns:p="http://schemas.microsoft.com/office/2006/metadata/properties" xmlns:xsi="http://www.w3.org/2001/XMLSchema-instance" xmlns:pc="http://schemas.microsoft.com/office/infopath/2007/PartnerControls">
-  <documentManagement>
-    <_dlc_DocId xmlns="037063e9-a85e-4c78-8627-f1a9315663e5">EVEA5JW6U4JV-6-9770</_dlc_DocId>
-    <_dlc_DocIdUrl xmlns="037063e9-a85e-4c78-8627-f1a9315663e5">
-      <Url>https://portal.roitraining.com/Courses/_layouts/DocIdRedir.aspx?ID=EVEA5JW6U4JV-6-9770</Url>
-      <Description>EVEA5JW6U4JV-6-9770</Description>
-    </_dlc_DocIdUrl>
-    <Date_x0020_last_x0020_used xmlns="027ed24f-5970-4294-be5c-0919c5aaa214" xsi:nil="true"/>
-    <Customization_x0020_Information xmlns="027ed24f-5970-4294-be5c-0919c5aaa214" xsi:nil="true"/>
-  </documentManagement>
-</p:properties>
+<?mso-contentType ?>
+<FormTemplates xmlns="http://schemas.microsoft.com/sharepoint/v3/contenttype/forms">
+  <Display>DocumentLibraryForm</Display>
+  <Edit>DocumentLibraryForm</Edit>
+  <New>DocumentLibraryForm</New>
+</FormTemplates>
 </file>
 
 <file path=customXml/itemProps1.xml><?xml version="1.0" encoding="utf-8"?>
-<ds:datastoreItem xmlns:ds="http://schemas.openxmlformats.org/officeDocument/2006/customXml" ds:itemID="{2DA015F3-603C-4688-A5F3-81D587DAB8C9}">
+<ds:datastoreItem xmlns:ds="http://schemas.openxmlformats.org/officeDocument/2006/customXml" ds:itemID="{F47B9207-CE5C-49AD-B414-15CBFA246D65}">
   <ds:schemaRefs>
-    <ds:schemaRef ds:uri="http://schemas.microsoft.com/sharepoint/v3/contenttype/forms"/>
+    <ds:schemaRef ds:uri="http://schemas.microsoft.com/office/2006/metadata/properties"/>
+    <ds:schemaRef ds:uri="http://schemas.microsoft.com/office/infopath/2007/PartnerControls"/>
+    <ds:schemaRef ds:uri="037063e9-a85e-4c78-8627-f1a9315663e5"/>
+    <ds:schemaRef ds:uri="027ed24f-5970-4294-be5c-0919c5aaa214"/>
   </ds:schemaRefs>
 </ds:datastoreItem>
 </file>
 
 <file path=customXml/itemProps2.xml><?xml version="1.0" encoding="utf-8"?>
-<ds:datastoreItem xmlns:ds="http://schemas.openxmlformats.org/officeDocument/2006/customXml" ds:itemID="{B9043294-8302-4947-B882-02D6486F929C}">
-  <ds:schemaRefs>
-    <ds:schemaRef ds:uri="http://schemas.microsoft.com/sharepoint/events"/>
-  </ds:schemaRefs>
-</ds:datastoreItem>
-</file>
-
-<file path=customXml/itemProps3.xml><?xml version="1.0" encoding="utf-8"?>
 <ds:datastoreItem xmlns:ds="http://schemas.openxmlformats.org/officeDocument/2006/customXml" ds:itemID="{B8E0886B-5092-4138-9EEE-28D3BFD5A483}">
   <ds:schemaRefs>
     <ds:schemaRef ds:uri="http://schemas.microsoft.com/office/2006/metadata/contentType"/>
@@ -15820,13 +15580,18 @@
 </ds:datastoreItem>
 </file>
 
+<file path=customXml/itemProps3.xml><?xml version="1.0" encoding="utf-8"?>
+<ds:datastoreItem xmlns:ds="http://schemas.openxmlformats.org/officeDocument/2006/customXml" ds:itemID="{B9043294-8302-4947-B882-02D6486F929C}">
+  <ds:schemaRefs>
+    <ds:schemaRef ds:uri="http://schemas.microsoft.com/sharepoint/events"/>
+  </ds:schemaRefs>
+</ds:datastoreItem>
+</file>
+
 <file path=customXml/itemProps4.xml><?xml version="1.0" encoding="utf-8"?>
-<ds:datastoreItem xmlns:ds="http://schemas.openxmlformats.org/officeDocument/2006/customXml" ds:itemID="{F47B9207-CE5C-49AD-B414-15CBFA246D65}">
+<ds:datastoreItem xmlns:ds="http://schemas.openxmlformats.org/officeDocument/2006/customXml" ds:itemID="{2DA015F3-603C-4688-A5F3-81D587DAB8C9}">
   <ds:schemaRefs>
-    <ds:schemaRef ds:uri="http://schemas.microsoft.com/office/2006/metadata/properties"/>
-    <ds:schemaRef ds:uri="http://schemas.microsoft.com/office/infopath/2007/PartnerControls"/>
-    <ds:schemaRef ds:uri="037063e9-a85e-4c78-8627-f1a9315663e5"/>
-    <ds:schemaRef ds:uri="027ed24f-5970-4294-be5c-0919c5aaa214"/>
+    <ds:schemaRef ds:uri="http://schemas.microsoft.com/sharepoint/v3/contenttype/forms"/>
   </ds:schemaRefs>
 </ds:datastoreItem>
 </file>